--- a/Team14_Presentation_Kijahre.pptx
+++ b/Team14_Presentation_Kijahre.pptx
@@ -5,7 +5,7 @@
     <p:sldMasterId id="2147483648" r:id="rId1"/>
   </p:sldMasterIdLst>
   <p:notesMasterIdLst>
-    <p:notesMasterId r:id="rId9"/>
+    <p:notesMasterId r:id="rId10"/>
   </p:notesMasterIdLst>
   <p:sldIdLst>
     <p:sldId id="290" r:id="rId2"/>
@@ -14,7 +14,8 @@
     <p:sldId id="292" r:id="rId5"/>
     <p:sldId id="293" r:id="rId6"/>
     <p:sldId id="270" r:id="rId7"/>
-    <p:sldId id="266" r:id="rId8"/>
+    <p:sldId id="294" r:id="rId8"/>
+    <p:sldId id="266" r:id="rId9"/>
   </p:sldIdLst>
   <p:sldSz cx="12192000" cy="6858000"/>
   <p:notesSz cx="6858000" cy="9144000"/>
@@ -955,7 +956,7 @@
           </a:pPr>
           <a:r>
             <a:rPr lang="en-US" sz="2000" dirty="0"/>
-            <a:t>predict lowest price by all features</a:t>
+            <a:t>predict lowest price by all features (98% accuracy)</a:t>
           </a:r>
         </a:p>
       </dgm:t>
@@ -1002,7 +1003,10 @@
             <a:rPr lang="en-US" sz="2000" dirty="0" err="1"/>
             <a:t>dow</a:t>
           </a:r>
-          <a:endParaRPr lang="en-US" sz="2000" dirty="0"/>
+          <a:r>
+            <a:rPr lang="en-US" sz="2000" dirty="0"/>
+            <a:t> (68% and rising)</a:t>
+          </a:r>
         </a:p>
       </dgm:t>
     </dgm:pt>
@@ -1042,7 +1046,7 @@
           </a:pPr>
           <a:r>
             <a:rPr lang="en-US" sz="2000" dirty="0"/>
-            <a:t>predict lowest price by region</a:t>
+            <a:t>predict lowest price by region (74% and rising)</a:t>
           </a:r>
         </a:p>
       </dgm:t>
@@ -1141,7 +1145,7 @@
           </a:pPr>
           <a:r>
             <a:rPr lang="en-US" sz="2000" dirty="0"/>
-            <a:t>predict lowest price by all features</a:t>
+            <a:t>predict lowest price by all features (0% accuracy due to user error)</a:t>
           </a:r>
         </a:p>
       </dgm:t>
@@ -1182,7 +1186,7 @@
       <dgm:spPr/>
     </dgm:pt>
     <dgm:pt modelId="{2CCFBDF6-19E1-4115-8278-4A6E2EA73C39}" type="pres">
-      <dgm:prSet presAssocID="{819785AA-CCAD-4C98-BE70-48F823F3CEBA}" presName="iconRect" presStyleLbl="node1" presStyleIdx="0" presStyleCnt="2" custLinFactNeighborX="-4744" custLinFactNeighborY="-87963"/>
+      <dgm:prSet presAssocID="{819785AA-CCAD-4C98-BE70-48F823F3CEBA}" presName="iconRect" presStyleLbl="node1" presStyleIdx="0" presStyleCnt="2" custLinFactY="-29103" custLinFactNeighborX="-7972" custLinFactNeighborY="-100000"/>
       <dgm:spPr>
         <a:blipFill>
           <a:blip xmlns:r="http://schemas.openxmlformats.org/officeDocument/2006/relationships" r:embed="rId1">
@@ -1211,7 +1215,7 @@
       <dgm:spPr/>
     </dgm:pt>
     <dgm:pt modelId="{5F8C9054-79A0-4429-9FAB-1899D1C53E1B}" type="pres">
-      <dgm:prSet presAssocID="{819785AA-CCAD-4C98-BE70-48F823F3CEBA}" presName="parTx" presStyleLbl="revTx" presStyleIdx="0" presStyleCnt="4" custLinFactNeighborX="-2060" custLinFactNeighborY="-64683">
+      <dgm:prSet presAssocID="{819785AA-CCAD-4C98-BE70-48F823F3CEBA}" presName="parTx" presStyleLbl="revTx" presStyleIdx="0" presStyleCnt="4" custLinFactY="-659" custLinFactNeighborX="-2317" custLinFactNeighborY="-100000">
         <dgm:presLayoutVars>
           <dgm:chMax val="0"/>
           <dgm:chPref val="0"/>
@@ -1224,7 +1228,7 @@
       <dgm:spPr/>
     </dgm:pt>
     <dgm:pt modelId="{58F8A4A8-47B8-4CC5-AF90-64C0771B5BDA}" type="pres">
-      <dgm:prSet presAssocID="{819785AA-CCAD-4C98-BE70-48F823F3CEBA}" presName="desTx" presStyleLbl="revTx" presStyleIdx="1" presStyleCnt="4" custScaleX="134554" custScaleY="116730" custLinFactNeighborX="5364" custLinFactNeighborY="-2767">
+      <dgm:prSet presAssocID="{819785AA-CCAD-4C98-BE70-48F823F3CEBA}" presName="desTx" presStyleLbl="revTx" presStyleIdx="1" presStyleCnt="4" custScaleX="134554" custScaleY="116730" custLinFactY="-100000" custLinFactNeighborX="5364" custLinFactNeighborY="-137408">
         <dgm:presLayoutVars/>
       </dgm:prSet>
       <dgm:spPr/>
@@ -1238,7 +1242,7 @@
       <dgm:spPr/>
     </dgm:pt>
     <dgm:pt modelId="{E4272FEA-B93D-4E05-926A-4390D0A3AFB3}" type="pres">
-      <dgm:prSet presAssocID="{EC05F506-026B-4342-ABD9-8BA8B012AC42}" presName="iconRect" presStyleLbl="node1" presStyleIdx="1" presStyleCnt="2" custLinFactNeighborY="-87963"/>
+      <dgm:prSet presAssocID="{EC05F506-026B-4342-ABD9-8BA8B012AC42}" presName="iconRect" presStyleLbl="node1" presStyleIdx="1" presStyleCnt="2" custLinFactY="-29838" custLinFactNeighborX="-735" custLinFactNeighborY="-100000"/>
       <dgm:spPr>
         <a:blipFill>
           <a:blip xmlns:r="http://schemas.openxmlformats.org/officeDocument/2006/relationships" r:embed="rId3">
@@ -1267,7 +1271,7 @@
       <dgm:spPr/>
     </dgm:pt>
     <dgm:pt modelId="{5B48244A-4350-41A5-9E47-CB9892B29360}" type="pres">
-      <dgm:prSet presAssocID="{EC05F506-026B-4342-ABD9-8BA8B012AC42}" presName="parTx" presStyleLbl="revTx" presStyleIdx="2" presStyleCnt="4" custLinFactNeighborX="-3172" custLinFactNeighborY="-65768">
+      <dgm:prSet presAssocID="{EC05F506-026B-4342-ABD9-8BA8B012AC42}" presName="parTx" presStyleLbl="revTx" presStyleIdx="2" presStyleCnt="4" custLinFactY="-6878" custLinFactNeighborX="-5467" custLinFactNeighborY="-100000">
         <dgm:presLayoutVars>
           <dgm:chMax val="0"/>
           <dgm:chPref val="0"/>
@@ -1280,7 +1284,7 @@
       <dgm:spPr/>
     </dgm:pt>
     <dgm:pt modelId="{67F89362-ABBE-49ED-8957-F27777EC3341}" type="pres">
-      <dgm:prSet presAssocID="{EC05F506-026B-4342-ABD9-8BA8B012AC42}" presName="desTx" presStyleLbl="revTx" presStyleIdx="3" presStyleCnt="4" custScaleX="143661">
+      <dgm:prSet presAssocID="{EC05F506-026B-4342-ABD9-8BA8B012AC42}" presName="desTx" presStyleLbl="revTx" presStyleIdx="3" presStyleCnt="4" custScaleX="143661" custLinFactY="-100000" custLinFactNeighborX="-1883" custLinFactNeighborY="-123935">
         <dgm:presLayoutVars/>
       </dgm:prSet>
       <dgm:spPr/>
@@ -1339,7 +1343,7 @@
       </dsp:nvSpPr>
       <dsp:spPr>
         <a:xfrm>
-          <a:off x="1170296" y="319786"/>
+          <a:off x="1142964" y="0"/>
           <a:ext cx="846719" cy="846719"/>
         </a:xfrm>
         <a:prstGeom prst="rect">
@@ -1396,7 +1400,7 @@
       </dsp:nvSpPr>
       <dsp:spPr>
         <a:xfrm>
-          <a:off x="374390" y="1274887"/>
+          <a:off x="368173" y="870562"/>
           <a:ext cx="2419197" cy="1123875"/>
         </a:xfrm>
         <a:prstGeom prst="rect">
@@ -1463,7 +1467,7 @@
         </a:p>
       </dsp:txBody>
       <dsp:txXfrm>
-        <a:off x="374390" y="1274887"/>
+        <a:off x="368173" y="870562"/>
         <a:ext cx="2419197" cy="1123875"/>
       </dsp:txXfrm>
     </dsp:sp>
@@ -1474,7 +1478,7 @@
       </dsp:nvSpPr>
       <dsp:spPr>
         <a:xfrm>
-          <a:off x="136027" y="2990714"/>
+          <a:off x="136027" y="2306469"/>
           <a:ext cx="3255127" cy="340400"/>
         </a:xfrm>
         <a:prstGeom prst="rect">
@@ -1518,7 +1522,7 @@
           </a:pPr>
           <a:r>
             <a:rPr lang="en-US" sz="2000" kern="1200" dirty="0"/>
-            <a:t>predict lowest price by all features</a:t>
+            <a:t>predict lowest price by all features (98% accuracy)</a:t>
           </a:r>
         </a:p>
         <a:p>
@@ -1542,7 +1546,10 @@
             <a:rPr lang="en-US" sz="2000" kern="1200" dirty="0" err="1"/>
             <a:t>dow</a:t>
           </a:r>
-          <a:endParaRPr lang="en-US" sz="2000" kern="1200" dirty="0"/>
+          <a:r>
+            <a:rPr lang="en-US" sz="2000" kern="1200" dirty="0"/>
+            <a:t> (68% and rising)</a:t>
+          </a:r>
         </a:p>
         <a:p>
           <a:pPr marL="0" lvl="0" indent="0" algn="l" defTabSz="889000">
@@ -1559,12 +1566,12 @@
           </a:pPr>
           <a:r>
             <a:rPr lang="en-US" sz="2000" kern="1200" dirty="0"/>
-            <a:t>predict lowest price by region</a:t>
+            <a:t>predict lowest price by region (74% and rising)</a:t>
           </a:r>
         </a:p>
       </dsp:txBody>
       <dsp:txXfrm>
-        <a:off x="136027" y="2990714"/>
+        <a:off x="136027" y="2306469"/>
         <a:ext cx="3255127" cy="340400"/>
       </dsp:txXfrm>
     </dsp:sp>
@@ -1575,7 +1582,7 @@
       </dsp:nvSpPr>
       <dsp:spPr>
         <a:xfrm>
-          <a:off x="4999110" y="331982"/>
+          <a:off x="4992886" y="0"/>
           <a:ext cx="846719" cy="846719"/>
         </a:xfrm>
         <a:prstGeom prst="rect">
@@ -1632,7 +1639,7 @@
       </dsp:nvSpPr>
       <dsp:spPr>
         <a:xfrm>
-          <a:off x="4136134" y="1274890"/>
+          <a:off x="4080613" y="812865"/>
           <a:ext cx="2419197" cy="1123875"/>
         </a:xfrm>
         <a:prstGeom prst="rect">
@@ -1698,7 +1705,7 @@
         </a:p>
       </dsp:txBody>
       <dsp:txXfrm>
-        <a:off x="4136134" y="1274890"/>
+        <a:off x="4080613" y="812865"/>
         <a:ext cx="2419197" cy="1123875"/>
       </dsp:txXfrm>
     </dsp:sp>
@@ -1709,7 +1716,7 @@
       </dsp:nvSpPr>
       <dsp:spPr>
         <a:xfrm>
-          <a:off x="3684748" y="3035373"/>
+          <a:off x="3639194" y="2382349"/>
           <a:ext cx="3475443" cy="291613"/>
         </a:xfrm>
         <a:prstGeom prst="rect">
@@ -1753,12 +1760,12 @@
           </a:pPr>
           <a:r>
             <a:rPr lang="en-US" sz="2000" kern="1200" dirty="0"/>
-            <a:t>predict lowest price by all features</a:t>
+            <a:t>predict lowest price by all features (0% accuracy due to user error)</a:t>
           </a:r>
         </a:p>
       </dsp:txBody>
       <dsp:txXfrm>
-        <a:off x="3684748" y="3035373"/>
+        <a:off x="3639194" y="2382349"/>
         <a:ext cx="3475443" cy="291613"/>
       </dsp:txXfrm>
     </dsp:sp>
@@ -3083,7 +3090,7 @@
           <a:p>
             <a:fld id="{AEBF5B9D-DC25-9C4D-B63B-18668C98E4DC}" type="datetimeFigureOut">
               <a:rPr lang="en-US" smtClean="0"/>
-              <a:t>11/17/2022</a:t>
+              <a:t>11/18/2022</a:t>
             </a:fld>
             <a:endParaRPr lang="en-US"/>
           </a:p>
@@ -3497,7 +3504,7 @@
           <a:p>
             <a:fld id="{CA4913DA-71AB-2447-B2FB-5226151470FA}" type="datetime1">
               <a:rPr lang="en-US" smtClean="0"/>
-              <a:t>11/17/2022</a:t>
+              <a:t>11/18/2022</a:t>
             </a:fld>
             <a:endParaRPr lang="en-US"/>
           </a:p>
@@ -3695,7 +3702,7 @@
           <a:p>
             <a:fld id="{20C2316D-F49A-E545-AAF4-772D5B1D1AAC}" type="datetime1">
               <a:rPr lang="en-US" smtClean="0"/>
-              <a:t>11/17/2022</a:t>
+              <a:t>11/18/2022</a:t>
             </a:fld>
             <a:endParaRPr lang="en-US"/>
           </a:p>
@@ -3903,7 +3910,7 @@
           <a:p>
             <a:fld id="{AE72AC5A-C52C-034E-BF3C-FD6CA88C0FDA}" type="datetime1">
               <a:rPr lang="en-US" smtClean="0"/>
-              <a:t>11/17/2022</a:t>
+              <a:t>11/18/2022</a:t>
             </a:fld>
             <a:endParaRPr lang="en-US"/>
           </a:p>
@@ -4101,7 +4108,7 @@
           <a:p>
             <a:fld id="{F9523CD4-0C3D-D94C-8B1C-6B1616C58207}" type="datetime1">
               <a:rPr lang="en-US" smtClean="0"/>
-              <a:t>11/17/2022</a:t>
+              <a:t>11/18/2022</a:t>
             </a:fld>
             <a:endParaRPr lang="en-US"/>
           </a:p>
@@ -4376,7 +4383,7 @@
           <a:p>
             <a:fld id="{AC946497-659A-CA42-87E8-72B157FCB6A5}" type="datetime1">
               <a:rPr lang="en-US" smtClean="0"/>
-              <a:t>11/17/2022</a:t>
+              <a:t>11/18/2022</a:t>
             </a:fld>
             <a:endParaRPr lang="en-US"/>
           </a:p>
@@ -4641,7 +4648,7 @@
           <a:p>
             <a:fld id="{75FB8963-3E22-2148-9E4F-C00A5A3507A8}" type="datetime1">
               <a:rPr lang="en-US" smtClean="0"/>
-              <a:t>11/17/2022</a:t>
+              <a:t>11/18/2022</a:t>
             </a:fld>
             <a:endParaRPr lang="en-US"/>
           </a:p>
@@ -5053,7 +5060,7 @@
           <a:p>
             <a:fld id="{D467DFFA-6F12-804C-A322-D0CA765945C9}" type="datetime1">
               <a:rPr lang="en-US" smtClean="0"/>
-              <a:t>11/17/2022</a:t>
+              <a:t>11/18/2022</a:t>
             </a:fld>
             <a:endParaRPr lang="en-US"/>
           </a:p>
@@ -5194,7 +5201,7 @@
           <a:p>
             <a:fld id="{41B74A57-390C-284E-97B7-7B29912A3226}" type="datetime1">
               <a:rPr lang="en-US" smtClean="0"/>
-              <a:t>11/17/2022</a:t>
+              <a:t>11/18/2022</a:t>
             </a:fld>
             <a:endParaRPr lang="en-US"/>
           </a:p>
@@ -5307,7 +5314,7 @@
           <a:p>
             <a:fld id="{285548A5-1930-7943-8512-555536845564}" type="datetime1">
               <a:rPr lang="en-US" smtClean="0"/>
-              <a:t>11/17/2022</a:t>
+              <a:t>11/18/2022</a:t>
             </a:fld>
             <a:endParaRPr lang="en-US"/>
           </a:p>
@@ -5618,7 +5625,7 @@
           <a:p>
             <a:fld id="{9223AAD4-10AF-E146-834D-80824F60E7CA}" type="datetime1">
               <a:rPr lang="en-US" smtClean="0"/>
-              <a:t>11/17/2022</a:t>
+              <a:t>11/18/2022</a:t>
             </a:fld>
             <a:endParaRPr lang="en-US"/>
           </a:p>
@@ -5906,7 +5913,7 @@
           <a:p>
             <a:fld id="{DAF52F01-FFC1-E344-9EAE-D6D43AEF4980}" type="datetime1">
               <a:rPr lang="en-US" smtClean="0"/>
-              <a:t>11/17/2022</a:t>
+              <a:t>11/18/2022</a:t>
             </a:fld>
             <a:endParaRPr lang="en-US"/>
           </a:p>
@@ -6147,7 +6154,7 @@
           <a:p>
             <a:fld id="{BEAC80F2-956B-BB41-8A57-F14E976EB7DD}" type="datetime1">
               <a:rPr lang="en-US" smtClean="0"/>
-              <a:t>11/17/2022</a:t>
+              <a:t>11/18/2022</a:t>
             </a:fld>
             <a:endParaRPr lang="en-US"/>
           </a:p>
@@ -14495,7 +14502,7 @@
         <p:spPr>
           <a:xfrm>
             <a:off x="336884" y="1173480"/>
-            <a:ext cx="7450756" cy="5003483"/>
+            <a:ext cx="7450756" cy="5673311"/>
           </a:xfrm>
         </p:spPr>
         <p:txBody>
@@ -14504,13 +14511,14 @@
           </a:bodyPr>
           <a:lstStyle/>
           <a:p>
-            <a:pPr marL="0" algn="l" rtl="0" eaLnBrk="1" latinLnBrk="0" hangingPunct="1">
+            <a:pPr marL="0" indent="0" algn="l" rtl="0" eaLnBrk="1" latinLnBrk="0" hangingPunct="1">
               <a:spcBef>
                 <a:spcPts val="0"/>
               </a:spcBef>
               <a:spcAft>
                 <a:spcPts val="0"/>
               </a:spcAft>
+              <a:buNone/>
             </a:pPr>
             <a:r>
               <a:rPr lang="en-US" sz="2400" b="1" dirty="0">
@@ -14567,60 +14575,7 @@
                 <a:ea typeface="Calibri" panose="020F0502020204030204" pitchFamily="34" charset="0"/>
                 <a:cs typeface="Times New Roman" panose="02020603050405020304" pitchFamily="18" charset="0"/>
               </a:rPr>
-              <a:t>vendor</a:t>
-            </a:r>
-            <a:endParaRPr lang="en-US" sz="2400" dirty="0">
-              <a:effectLst/>
-              <a:highlight>
-                <a:srgbClr val="FFFF00"/>
-              </a:highlight>
-              <a:latin typeface="+mj-lt"/>
-              <a:ea typeface="Calibri" panose="020F0502020204030204" pitchFamily="34" charset="0"/>
-              <a:cs typeface="Times New Roman" panose="02020603050405020304" pitchFamily="18" charset="0"/>
-            </a:endParaRPr>
-          </a:p>
-          <a:p>
-            <a:pPr lvl="1">
-              <a:lnSpc>
-                <a:spcPct val="115000"/>
-              </a:lnSpc>
-              <a:spcBef>
-                <a:spcPts val="0"/>
-              </a:spcBef>
-            </a:pPr>
-            <a:r>
-              <a:rPr lang="en-US" sz="2400" dirty="0">
-                <a:solidFill>
-                  <a:srgbClr val="1D1C1D"/>
-                </a:solidFill>
-                <a:effectLst/>
-                <a:latin typeface="+mj-lt"/>
-                <a:ea typeface="Calibri" panose="020F0502020204030204" pitchFamily="34" charset="0"/>
-                <a:cs typeface="Times New Roman" panose="02020603050405020304" pitchFamily="18" charset="0"/>
-              </a:rPr>
-              <a:t>Location</a:t>
-            </a:r>
-          </a:p>
-          <a:p>
-            <a:pPr lvl="1">
-              <a:lnSpc>
-                <a:spcPct val="115000"/>
-              </a:lnSpc>
-              <a:spcBef>
-                <a:spcPts val="0"/>
-              </a:spcBef>
-            </a:pPr>
-            <a:r>
-              <a:rPr lang="en-US" sz="2400" dirty="0">
-                <a:solidFill>
-                  <a:srgbClr val="1D1C1D"/>
-                </a:solidFill>
-                <a:effectLst/>
-                <a:latin typeface="+mj-lt"/>
-                <a:ea typeface="Calibri" panose="020F0502020204030204" pitchFamily="34" charset="0"/>
-                <a:cs typeface="Times New Roman" panose="02020603050405020304" pitchFamily="18" charset="0"/>
-              </a:rPr>
-              <a:t>zip</a:t>
+              <a:t>Vendor</a:t>
             </a:r>
           </a:p>
           <a:p>
@@ -14704,33 +14659,6 @@
               <a:spcBef>
                 <a:spcPts val="0"/>
               </a:spcBef>
-              <a:spcAft>
-                <a:spcPts val="800"/>
-              </a:spcAft>
-            </a:pPr>
-            <a:r>
-              <a:rPr lang="en-US" sz="2400" dirty="0">
-                <a:solidFill>
-                  <a:srgbClr val="1D1C1D"/>
-                </a:solidFill>
-                <a:latin typeface="+mj-lt"/>
-                <a:ea typeface="Calibri" panose="020F0502020204030204" pitchFamily="34" charset="0"/>
-                <a:cs typeface="Times New Roman" panose="02020603050405020304" pitchFamily="18" charset="0"/>
-              </a:rPr>
-              <a:t>Date</a:t>
-            </a:r>
-          </a:p>
-          <a:p>
-            <a:pPr lvl="1">
-              <a:lnSpc>
-                <a:spcPct val="115000"/>
-              </a:lnSpc>
-              <a:spcBef>
-                <a:spcPts val="0"/>
-              </a:spcBef>
-              <a:spcAft>
-                <a:spcPts val="800"/>
-              </a:spcAft>
             </a:pPr>
             <a:r>
               <a:rPr lang="en-US" dirty="0" err="1">
@@ -14763,9 +14691,6 @@
               <a:t>aw_materials</a:t>
             </a:r>
             <a:endParaRPr lang="en-US" sz="2400" dirty="0">
-              <a:solidFill>
-                <a:srgbClr val="1D1C1D"/>
-              </a:solidFill>
               <a:effectLst/>
               <a:highlight>
                 <a:srgbClr val="FFFF00"/>
@@ -14774,6 +14699,74 @@
               <a:ea typeface="Calibri" panose="020F0502020204030204" pitchFamily="34" charset="0"/>
               <a:cs typeface="Times New Roman" panose="02020603050405020304" pitchFamily="18" charset="0"/>
             </a:endParaRPr>
+          </a:p>
+          <a:p>
+            <a:pPr lvl="1">
+              <a:lnSpc>
+                <a:spcPct val="115000"/>
+              </a:lnSpc>
+              <a:spcBef>
+                <a:spcPts val="0"/>
+              </a:spcBef>
+            </a:pPr>
+            <a:r>
+              <a:rPr lang="en-US" sz="2400" dirty="0">
+                <a:solidFill>
+                  <a:srgbClr val="1D1C1D"/>
+                </a:solidFill>
+                <a:effectLst/>
+                <a:latin typeface="+mj-lt"/>
+                <a:ea typeface="Calibri" panose="020F0502020204030204" pitchFamily="34" charset="0"/>
+                <a:cs typeface="Times New Roman" panose="02020603050405020304" pitchFamily="18" charset="0"/>
+              </a:rPr>
+              <a:t>Location</a:t>
+            </a:r>
+          </a:p>
+          <a:p>
+            <a:pPr lvl="1">
+              <a:lnSpc>
+                <a:spcPct val="115000"/>
+              </a:lnSpc>
+              <a:spcBef>
+                <a:spcPts val="0"/>
+              </a:spcBef>
+            </a:pPr>
+            <a:r>
+              <a:rPr lang="en-US" sz="2400" dirty="0">
+                <a:solidFill>
+                  <a:srgbClr val="1D1C1D"/>
+                </a:solidFill>
+                <a:effectLst/>
+                <a:latin typeface="+mj-lt"/>
+                <a:ea typeface="Calibri" panose="020F0502020204030204" pitchFamily="34" charset="0"/>
+                <a:cs typeface="Times New Roman" panose="02020603050405020304" pitchFamily="18" charset="0"/>
+              </a:rPr>
+              <a:t>zip</a:t>
+            </a:r>
+          </a:p>
+          <a:p>
+            <a:pPr lvl="1">
+              <a:lnSpc>
+                <a:spcPct val="115000"/>
+              </a:lnSpc>
+              <a:spcBef>
+                <a:spcPts val="0"/>
+              </a:spcBef>
+              <a:spcAft>
+                <a:spcPts val="800"/>
+              </a:spcAft>
+            </a:pPr>
+            <a:r>
+              <a:rPr lang="en-US" sz="2400" dirty="0">
+                <a:solidFill>
+                  <a:srgbClr val="1D1C1D"/>
+                </a:solidFill>
+                <a:latin typeface="+mj-lt"/>
+                <a:ea typeface="Calibri" panose="020F0502020204030204" pitchFamily="34" charset="0"/>
+                <a:cs typeface="Times New Roman" panose="02020603050405020304" pitchFamily="18" charset="0"/>
+              </a:rPr>
+              <a:t>Date</a:t>
+            </a:r>
           </a:p>
           <a:p>
             <a:pPr lvl="1">
@@ -14809,6 +14802,39 @@
               </a:rPr>
               <a:t>aw_prices</a:t>
             </a:r>
+            <a:endParaRPr lang="en-US" dirty="0">
+              <a:solidFill>
+                <a:srgbClr val="1D1C1D"/>
+              </a:solidFill>
+              <a:latin typeface="+mj-lt"/>
+              <a:ea typeface="Calibri" panose="020F0502020204030204" pitchFamily="34" charset="0"/>
+              <a:cs typeface="Times New Roman" panose="02020603050405020304" pitchFamily="18" charset="0"/>
+            </a:endParaRPr>
+          </a:p>
+          <a:p>
+            <a:pPr marL="457200" lvl="1" indent="0">
+              <a:lnSpc>
+                <a:spcPct val="115000"/>
+              </a:lnSpc>
+              <a:spcBef>
+                <a:spcPts val="0"/>
+              </a:spcBef>
+              <a:spcAft>
+                <a:spcPts val="800"/>
+              </a:spcAft>
+              <a:buNone/>
+            </a:pPr>
+            <a:r>
+              <a:rPr lang="en-US" b="1" dirty="0">
+                <a:solidFill>
+                  <a:srgbClr val="3D3D3D"/>
+                </a:solidFill>
+                <a:latin typeface="Calibri" panose="020F0502020204030204" pitchFamily="34" charset="0"/>
+                <a:ea typeface="Calibri" panose="020F0502020204030204" pitchFamily="34" charset="0"/>
+                <a:cs typeface="Times New Roman" panose="02020603050405020304" pitchFamily="18" charset="0"/>
+              </a:rPr>
+              <a:t>Target = Low Prices</a:t>
+            </a:r>
             <a:endParaRPr lang="en-US" sz="2400" dirty="0">
               <a:solidFill>
                 <a:srgbClr val="1D1C1D"/>
@@ -14840,7 +14866,7 @@
                 <a:ea typeface="Calibri" panose="020F0502020204030204" pitchFamily="34" charset="0"/>
                 <a:cs typeface="Times New Roman" panose="02020603050405020304" pitchFamily="18" charset="0"/>
               </a:rPr>
-              <a:t>(The above highlighted points may have a relationship with price)</a:t>
+              <a:t>(The above highlighted points have a relationship with price)</a:t>
             </a:r>
             <a:endParaRPr lang="en-US" sz="2000" b="1" dirty="0">
               <a:effectLst/>
@@ -21134,6 +21160,251 @@
 <file path=ppt/slides/slide7.xml><?xml version="1.0" encoding="utf-8"?>
 <p:sld xmlns:a="http://schemas.openxmlformats.org/drawingml/2006/main" xmlns:r="http://schemas.openxmlformats.org/officeDocument/2006/relationships" xmlns:p="http://schemas.openxmlformats.org/presentationml/2006/main">
   <p:cSld>
+    <p:spTree>
+      <p:nvGrpSpPr>
+        <p:cNvPr id="1" name=""/>
+        <p:cNvGrpSpPr/>
+        <p:nvPr/>
+      </p:nvGrpSpPr>
+      <p:grpSpPr>
+        <a:xfrm>
+          <a:off x="0" y="0"/>
+          <a:ext cx="0" cy="0"/>
+          <a:chOff x="0" y="0"/>
+          <a:chExt cx="0" cy="0"/>
+        </a:xfrm>
+      </p:grpSpPr>
+      <p:sp>
+        <p:nvSpPr>
+          <p:cNvPr id="2" name="Title 1">
+            <a:extLst>
+              <a:ext uri="{FF2B5EF4-FFF2-40B4-BE49-F238E27FC236}">
+                <a16:creationId xmlns:a16="http://schemas.microsoft.com/office/drawing/2014/main" id="{40BFE40E-51D6-1067-2F46-4F444CDA27F5}"/>
+              </a:ext>
+            </a:extLst>
+          </p:cNvPr>
+          <p:cNvSpPr>
+            <a:spLocks noGrp="1"/>
+          </p:cNvSpPr>
+          <p:nvPr>
+            <p:ph type="title"/>
+          </p:nvPr>
+        </p:nvSpPr>
+        <p:spPr>
+          <a:xfrm>
+            <a:off x="838200" y="365125"/>
+            <a:ext cx="6172200" cy="1325563"/>
+          </a:xfrm>
+        </p:spPr>
+        <p:txBody>
+          <a:bodyPr>
+            <a:normAutofit/>
+          </a:bodyPr>
+          <a:lstStyle/>
+          <a:p>
+            <a:r>
+              <a:rPr lang="en-US" sz="5400" b="0" i="0" u="sng" dirty="0">
+                <a:solidFill>
+                  <a:srgbClr val="000000"/>
+                </a:solidFill>
+                <a:effectLst/>
+                <a:latin typeface="Arial" panose="020B0604020202020204" pitchFamily="34" charset="0"/>
+              </a:rPr>
+              <a:t>The Bottom Line</a:t>
+            </a:r>
+            <a:endParaRPr lang="en-US" sz="5400" dirty="0"/>
+          </a:p>
+        </p:txBody>
+      </p:sp>
+      <p:sp>
+        <p:nvSpPr>
+          <p:cNvPr id="3" name="Content Placeholder 2">
+            <a:extLst>
+              <a:ext uri="{FF2B5EF4-FFF2-40B4-BE49-F238E27FC236}">
+                <a16:creationId xmlns:a16="http://schemas.microsoft.com/office/drawing/2014/main" id="{E8444396-240D-40AF-DE3E-A07092F928A3}"/>
+              </a:ext>
+            </a:extLst>
+          </p:cNvPr>
+          <p:cNvSpPr>
+            <a:spLocks noGrp="1"/>
+          </p:cNvSpPr>
+          <p:nvPr>
+            <p:ph idx="1"/>
+          </p:nvPr>
+        </p:nvSpPr>
+        <p:spPr>
+          <a:xfrm>
+            <a:off x="274476" y="2005012"/>
+            <a:ext cx="6613849" cy="4351338"/>
+          </a:xfrm>
+        </p:spPr>
+        <p:txBody>
+          <a:bodyPr>
+            <a:normAutofit lnSpcReduction="10000"/>
+          </a:bodyPr>
+          <a:lstStyle/>
+          <a:p>
+            <a:pPr indent="0" rtl="0">
+              <a:spcBef>
+                <a:spcPts val="0"/>
+              </a:spcBef>
+              <a:spcAft>
+                <a:spcPts val="1200"/>
+              </a:spcAft>
+              <a:buNone/>
+            </a:pPr>
+            <a:r>
+              <a:rPr lang="en-US" sz="3900" b="0" i="0" u="none" strike="noStrike" dirty="0">
+                <a:solidFill>
+                  <a:srgbClr val="595959"/>
+                </a:solidFill>
+                <a:effectLst/>
+                <a:latin typeface="Arial" panose="020B0604020202020204" pitchFamily="34" charset="0"/>
+              </a:rPr>
+              <a:t>Using our algorithm buying 16 items a day for one year will save you:</a:t>
+            </a:r>
+          </a:p>
+          <a:p>
+            <a:pPr indent="0" rtl="0">
+              <a:spcBef>
+                <a:spcPts val="0"/>
+              </a:spcBef>
+              <a:spcAft>
+                <a:spcPts val="1200"/>
+              </a:spcAft>
+              <a:buNone/>
+            </a:pPr>
+            <a:endParaRPr lang="en-US" sz="3900" b="0" dirty="0">
+              <a:effectLst/>
+            </a:endParaRPr>
+          </a:p>
+          <a:p>
+            <a:pPr marL="0" indent="0" algn="ctr" rtl="0">
+              <a:spcBef>
+                <a:spcPts val="0"/>
+              </a:spcBef>
+              <a:spcAft>
+                <a:spcPts val="0"/>
+              </a:spcAft>
+              <a:buNone/>
+            </a:pPr>
+            <a:r>
+              <a:rPr lang="en-US" sz="9600" b="1" i="0" u="sng" dirty="0">
+                <a:solidFill>
+                  <a:srgbClr val="4AA54D"/>
+                </a:solidFill>
+                <a:effectLst/>
+                <a:latin typeface="Arial" panose="020B0604020202020204" pitchFamily="34" charset="0"/>
+              </a:rPr>
+              <a:t>$79,690</a:t>
+            </a:r>
+            <a:endParaRPr lang="en-US" sz="9600" b="0" dirty="0">
+              <a:effectLst/>
+            </a:endParaRPr>
+          </a:p>
+          <a:p>
+            <a:pPr marL="0" indent="0">
+              <a:buNone/>
+            </a:pPr>
+            <a:br>
+              <a:rPr lang="en-US" dirty="0"/>
+            </a:br>
+            <a:endParaRPr lang="en-US" dirty="0"/>
+          </a:p>
+        </p:txBody>
+      </p:sp>
+      <p:sp>
+        <p:nvSpPr>
+          <p:cNvPr id="4" name="Slide Number Placeholder 3">
+            <a:extLst>
+              <a:ext uri="{FF2B5EF4-FFF2-40B4-BE49-F238E27FC236}">
+                <a16:creationId xmlns:a16="http://schemas.microsoft.com/office/drawing/2014/main" id="{0E2CFC9A-496E-0CCC-A901-E74F78A8F0EA}"/>
+              </a:ext>
+            </a:extLst>
+          </p:cNvPr>
+          <p:cNvSpPr>
+            <a:spLocks noGrp="1"/>
+          </p:cNvSpPr>
+          <p:nvPr>
+            <p:ph type="sldNum" sz="quarter" idx="12"/>
+          </p:nvPr>
+        </p:nvSpPr>
+        <p:spPr/>
+        <p:txBody>
+          <a:bodyPr/>
+          <a:lstStyle/>
+          <a:p>
+            <a:fld id="{3996240E-C573-234B-A5E3-DA0A99988C77}" type="slidenum">
+              <a:rPr lang="en-US" smtClean="0"/>
+              <a:t>7</a:t>
+            </a:fld>
+            <a:endParaRPr lang="en-US"/>
+          </a:p>
+        </p:txBody>
+      </p:sp>
+      <p:pic>
+        <p:nvPicPr>
+          <p:cNvPr id="1026" name="Picture 2">
+            <a:extLst>
+              <a:ext uri="{FF2B5EF4-FFF2-40B4-BE49-F238E27FC236}">
+                <a16:creationId xmlns:a16="http://schemas.microsoft.com/office/drawing/2014/main" id="{92E93739-5CBE-883F-B960-8F018F48AFBE}"/>
+              </a:ext>
+            </a:extLst>
+          </p:cNvPr>
+          <p:cNvPicPr>
+            <a:picLocks noChangeAspect="1" noChangeArrowheads="1"/>
+          </p:cNvPicPr>
+          <p:nvPr/>
+        </p:nvPicPr>
+        <p:blipFill>
+          <a:blip r:embed="rId2">
+            <a:extLst>
+              <a:ext uri="{28A0092B-C50C-407E-A947-70E740481C1C}">
+                <a14:useLocalDpi xmlns:a14="http://schemas.microsoft.com/office/drawing/2010/main" val="0"/>
+              </a:ext>
+            </a:extLst>
+          </a:blip>
+          <a:srcRect/>
+          <a:stretch>
+            <a:fillRect/>
+          </a:stretch>
+        </p:blipFill>
+        <p:spPr bwMode="auto">
+          <a:xfrm>
+            <a:off x="7010400" y="601939"/>
+            <a:ext cx="5029200" cy="5029200"/>
+          </a:xfrm>
+          <a:prstGeom prst="rect">
+            <a:avLst/>
+          </a:prstGeom>
+          <a:noFill/>
+          <a:extLst>
+            <a:ext uri="{909E8E84-426E-40DD-AFC4-6F175D3DCCD1}">
+              <a14:hiddenFill xmlns:a14="http://schemas.microsoft.com/office/drawing/2010/main">
+                <a:solidFill>
+                  <a:srgbClr val="FFFFFF"/>
+                </a:solidFill>
+              </a14:hiddenFill>
+            </a:ext>
+          </a:extLst>
+        </p:spPr>
+      </p:pic>
+    </p:spTree>
+    <p:extLst>
+      <p:ext uri="{BB962C8B-B14F-4D97-AF65-F5344CB8AC3E}">
+        <p14:creationId xmlns:p14="http://schemas.microsoft.com/office/powerpoint/2010/main" val="2301928180"/>
+      </p:ext>
+    </p:extLst>
+  </p:cSld>
+  <p:clrMapOvr>
+    <a:masterClrMapping/>
+  </p:clrMapOvr>
+</p:sld>
+</file>
+
+<file path=ppt/slides/slide8.xml><?xml version="1.0" encoding="utf-8"?>
+<p:sld xmlns:a="http://schemas.openxmlformats.org/drawingml/2006/main" xmlns:r="http://schemas.openxmlformats.org/officeDocument/2006/relationships" xmlns:p="http://schemas.openxmlformats.org/presentationml/2006/main">
+  <p:cSld>
     <p:bg>
       <p:bgPr>
         <a:solidFill>
@@ -21549,7 +21820,7 @@
             <p:ph idx="1"/>
             <p:extLst>
               <p:ext uri="{D42A27DB-BD31-4B8C-83A1-F6EECF244321}">
-                <p14:modId xmlns:p14="http://schemas.microsoft.com/office/powerpoint/2010/main" val="664603031"/>
+                <p14:modId xmlns:p14="http://schemas.microsoft.com/office/powerpoint/2010/main" val="3210877266"/>
               </p:ext>
             </p:extLst>
           </p:nvPr>
@@ -22010,7 +22281,7 @@
           <a:p>
             <a:fld id="{3996240E-C573-234B-A5E3-DA0A99988C77}" type="slidenum">
               <a:rPr lang="en-US" smtClean="0"/>
-              <a:t>7</a:t>
+              <a:t>8</a:t>
             </a:fld>
             <a:endParaRPr lang="en-US"/>
           </a:p>

--- a/Team14_Presentation_Kijahre.pptx
+++ b/Team14_Presentation_Kijahre.pptx
@@ -5,17 +5,16 @@
     <p:sldMasterId id="2147483648" r:id="rId1"/>
   </p:sldMasterIdLst>
   <p:notesMasterIdLst>
-    <p:notesMasterId r:id="rId10"/>
+    <p:notesMasterId r:id="rId9"/>
   </p:notesMasterIdLst>
   <p:sldIdLst>
     <p:sldId id="290" r:id="rId2"/>
     <p:sldId id="291" r:id="rId3"/>
     <p:sldId id="268" r:id="rId4"/>
     <p:sldId id="292" r:id="rId5"/>
-    <p:sldId id="293" r:id="rId6"/>
-    <p:sldId id="270" r:id="rId7"/>
-    <p:sldId id="294" r:id="rId8"/>
-    <p:sldId id="266" r:id="rId9"/>
+    <p:sldId id="270" r:id="rId6"/>
+    <p:sldId id="294" r:id="rId7"/>
+    <p:sldId id="266" r:id="rId8"/>
   </p:sldIdLst>
   <p:sldSz cx="12192000" cy="6858000"/>
   <p:notesSz cx="6858000" cy="9144000"/>
@@ -3090,7 +3089,7 @@
           <a:p>
             <a:fld id="{AEBF5B9D-DC25-9C4D-B63B-18668C98E4DC}" type="datetimeFigureOut">
               <a:rPr lang="en-US" smtClean="0"/>
-              <a:t>11/18/2022</a:t>
+              <a:t>11/19/2022</a:t>
             </a:fld>
             <a:endParaRPr lang="en-US"/>
           </a:p>
@@ -3504,7 +3503,7 @@
           <a:p>
             <a:fld id="{CA4913DA-71AB-2447-B2FB-5226151470FA}" type="datetime1">
               <a:rPr lang="en-US" smtClean="0"/>
-              <a:t>11/18/2022</a:t>
+              <a:t>11/19/2022</a:t>
             </a:fld>
             <a:endParaRPr lang="en-US"/>
           </a:p>
@@ -3702,7 +3701,7 @@
           <a:p>
             <a:fld id="{20C2316D-F49A-E545-AAF4-772D5B1D1AAC}" type="datetime1">
               <a:rPr lang="en-US" smtClean="0"/>
-              <a:t>11/18/2022</a:t>
+              <a:t>11/19/2022</a:t>
             </a:fld>
             <a:endParaRPr lang="en-US"/>
           </a:p>
@@ -3910,7 +3909,7 @@
           <a:p>
             <a:fld id="{AE72AC5A-C52C-034E-BF3C-FD6CA88C0FDA}" type="datetime1">
               <a:rPr lang="en-US" smtClean="0"/>
-              <a:t>11/18/2022</a:t>
+              <a:t>11/19/2022</a:t>
             </a:fld>
             <a:endParaRPr lang="en-US"/>
           </a:p>
@@ -4108,7 +4107,7 @@
           <a:p>
             <a:fld id="{F9523CD4-0C3D-D94C-8B1C-6B1616C58207}" type="datetime1">
               <a:rPr lang="en-US" smtClean="0"/>
-              <a:t>11/18/2022</a:t>
+              <a:t>11/19/2022</a:t>
             </a:fld>
             <a:endParaRPr lang="en-US"/>
           </a:p>
@@ -4383,7 +4382,7 @@
           <a:p>
             <a:fld id="{AC946497-659A-CA42-87E8-72B157FCB6A5}" type="datetime1">
               <a:rPr lang="en-US" smtClean="0"/>
-              <a:t>11/18/2022</a:t>
+              <a:t>11/19/2022</a:t>
             </a:fld>
             <a:endParaRPr lang="en-US"/>
           </a:p>
@@ -4648,7 +4647,7 @@
           <a:p>
             <a:fld id="{75FB8963-3E22-2148-9E4F-C00A5A3507A8}" type="datetime1">
               <a:rPr lang="en-US" smtClean="0"/>
-              <a:t>11/18/2022</a:t>
+              <a:t>11/19/2022</a:t>
             </a:fld>
             <a:endParaRPr lang="en-US"/>
           </a:p>
@@ -5060,7 +5059,7 @@
           <a:p>
             <a:fld id="{D467DFFA-6F12-804C-A322-D0CA765945C9}" type="datetime1">
               <a:rPr lang="en-US" smtClean="0"/>
-              <a:t>11/18/2022</a:t>
+              <a:t>11/19/2022</a:t>
             </a:fld>
             <a:endParaRPr lang="en-US"/>
           </a:p>
@@ -5201,7 +5200,7 @@
           <a:p>
             <a:fld id="{41B74A57-390C-284E-97B7-7B29912A3226}" type="datetime1">
               <a:rPr lang="en-US" smtClean="0"/>
-              <a:t>11/18/2022</a:t>
+              <a:t>11/19/2022</a:t>
             </a:fld>
             <a:endParaRPr lang="en-US"/>
           </a:p>
@@ -5314,7 +5313,7 @@
           <a:p>
             <a:fld id="{285548A5-1930-7943-8512-555536845564}" type="datetime1">
               <a:rPr lang="en-US" smtClean="0"/>
-              <a:t>11/18/2022</a:t>
+              <a:t>11/19/2022</a:t>
             </a:fld>
             <a:endParaRPr lang="en-US"/>
           </a:p>
@@ -5625,7 +5624,7 @@
           <a:p>
             <a:fld id="{9223AAD4-10AF-E146-834D-80824F60E7CA}" type="datetime1">
               <a:rPr lang="en-US" smtClean="0"/>
-              <a:t>11/18/2022</a:t>
+              <a:t>11/19/2022</a:t>
             </a:fld>
             <a:endParaRPr lang="en-US"/>
           </a:p>
@@ -5913,7 +5912,7 @@
           <a:p>
             <a:fld id="{DAF52F01-FFC1-E344-9EAE-D6D43AEF4980}" type="datetime1">
               <a:rPr lang="en-US" smtClean="0"/>
-              <a:t>11/18/2022</a:t>
+              <a:t>11/19/2022</a:t>
             </a:fld>
             <a:endParaRPr lang="en-US"/>
           </a:p>
@@ -6154,7 +6153,7 @@
           <a:p>
             <a:fld id="{BEAC80F2-956B-BB41-8A57-F14E976EB7DD}" type="datetime1">
               <a:rPr lang="en-US" smtClean="0"/>
-              <a:t>11/18/2022</a:t>
+              <a:t>11/19/2022</a:t>
             </a:fld>
             <a:endParaRPr lang="en-US"/>
           </a:p>
@@ -15258,2944 +15257,6 @@
       </p:grpSpPr>
       <p:sp useBgFill="1">
         <p:nvSpPr>
-          <p:cNvPr id="10" name="Rectangle 9">
-            <a:extLst>
-              <a:ext uri="{FF2B5EF4-FFF2-40B4-BE49-F238E27FC236}">
-                <a16:creationId xmlns:a16="http://schemas.microsoft.com/office/drawing/2014/main" id="{C232B152-3720-4D3B-97ED-45CE5483F16F}"/>
-              </a:ext>
-              <a:ext uri="{C183D7F6-B498-43B3-948B-1728B52AA6E4}">
-                <adec:decorative xmlns:adec="http://schemas.microsoft.com/office/drawing/2017/decorative" val="1"/>
-              </a:ext>
-            </a:extLst>
-          </p:cNvPr>
-          <p:cNvSpPr>
-            <a:spLocks noGrp="1" noRot="1" noChangeAspect="1" noMove="1" noResize="1" noEditPoints="1" noAdjustHandles="1" noChangeArrowheads="1" noChangeShapeType="1" noTextEdit="1"/>
-          </p:cNvSpPr>
-          <p:nvPr>
-            <p:extLst>
-              <p:ext uri="{386F3935-93C4-4BCD-93E2-E3B085C9AB24}">
-                <p16:designElem xmlns:p16="http://schemas.microsoft.com/office/powerpoint/2015/main" val="1"/>
-              </p:ext>
-            </p:extLst>
-          </p:nvPr>
-        </p:nvSpPr>
-        <p:spPr>
-          <a:xfrm>
-            <a:off x="0" y="0"/>
-            <a:ext cx="12192000" cy="6858000"/>
-          </a:xfrm>
-          <a:prstGeom prst="rect">
-            <a:avLst/>
-          </a:prstGeom>
-          <a:ln w="12700" cap="flat" cmpd="sng" algn="ctr">
-            <a:noFill/>
-            <a:prstDash val="solid"/>
-            <a:miter lim="800000"/>
-          </a:ln>
-          <a:effectLst/>
-        </p:spPr>
-        <p:style>
-          <a:lnRef idx="2">
-            <a:schemeClr val="accent1">
-              <a:shade val="50000"/>
-            </a:schemeClr>
-          </a:lnRef>
-          <a:fillRef idx="1">
-            <a:schemeClr val="accent1"/>
-          </a:fillRef>
-          <a:effectRef idx="0">
-            <a:schemeClr val="accent1"/>
-          </a:effectRef>
-          <a:fontRef idx="minor">
-            <a:schemeClr val="lt1"/>
-          </a:fontRef>
-        </p:style>
-        <p:txBody>
-          <a:bodyPr rtlCol="0" anchor="ctr"/>
-          <a:lstStyle/>
-          <a:p>
-            <a:pPr algn="ctr"/>
-            <a:endParaRPr lang="en-US"/>
-          </a:p>
-        </p:txBody>
-      </p:sp>
-      <p:sp>
-        <p:nvSpPr>
-          <p:cNvPr id="12" name="Freeform: Shape 11">
-            <a:extLst>
-              <a:ext uri="{FF2B5EF4-FFF2-40B4-BE49-F238E27FC236}">
-                <a16:creationId xmlns:a16="http://schemas.microsoft.com/office/drawing/2014/main" id="{11BAB570-FF10-4E96-8A3F-FA9804702B89}"/>
-              </a:ext>
-              <a:ext uri="{C183D7F6-B498-43B3-948B-1728B52AA6E4}">
-                <adec:decorative xmlns:adec="http://schemas.microsoft.com/office/drawing/2017/decorative" val="1"/>
-              </a:ext>
-            </a:extLst>
-          </p:cNvPr>
-          <p:cNvSpPr>
-            <a:spLocks noGrp="1" noRot="1" noChangeAspect="1" noMove="1" noResize="1" noEditPoints="1" noAdjustHandles="1" noChangeArrowheads="1" noChangeShapeType="1" noTextEdit="1"/>
-          </p:cNvSpPr>
-          <p:nvPr>
-            <p:extLst>
-              <p:ext uri="{386F3935-93C4-4BCD-93E2-E3B085C9AB24}">
-                <p16:designElem xmlns:p16="http://schemas.microsoft.com/office/powerpoint/2015/main" val="1"/>
-              </p:ext>
-            </p:extLst>
-          </p:nvPr>
-        </p:nvSpPr>
-        <p:spPr bwMode="ltGray">
-          <a:xfrm>
-            <a:off x="0" y="0"/>
-            <a:ext cx="4693698" cy="6858000"/>
-          </a:xfrm>
-          <a:custGeom>
-            <a:avLst/>
-            <a:gdLst>
-              <a:gd name="connsiteX0" fmla="*/ 0 w 4693698"/>
-              <a:gd name="connsiteY0" fmla="*/ 0 h 6858000"/>
-              <a:gd name="connsiteX1" fmla="*/ 420914 w 4693698"/>
-              <a:gd name="connsiteY1" fmla="*/ 0 h 6858000"/>
-              <a:gd name="connsiteX2" fmla="*/ 1582057 w 4693698"/>
-              <a:gd name="connsiteY2" fmla="*/ 0 h 6858000"/>
-              <a:gd name="connsiteX3" fmla="*/ 4503903 w 4693698"/>
-              <a:gd name="connsiteY3" fmla="*/ 0 h 6858000"/>
-              <a:gd name="connsiteX4" fmla="*/ 4508943 w 4693698"/>
-              <a:gd name="connsiteY4" fmla="*/ 66675 h 6858000"/>
-              <a:gd name="connsiteX5" fmla="*/ 4517340 w 4693698"/>
-              <a:gd name="connsiteY5" fmla="*/ 122237 h 6858000"/>
-              <a:gd name="connsiteX6" fmla="*/ 4527418 w 4693698"/>
-              <a:gd name="connsiteY6" fmla="*/ 174625 h 6858000"/>
-              <a:gd name="connsiteX7" fmla="*/ 4544214 w 4693698"/>
-              <a:gd name="connsiteY7" fmla="*/ 217487 h 6858000"/>
-              <a:gd name="connsiteX8" fmla="*/ 4561010 w 4693698"/>
-              <a:gd name="connsiteY8" fmla="*/ 260350 h 6858000"/>
-              <a:gd name="connsiteX9" fmla="*/ 4581165 w 4693698"/>
-              <a:gd name="connsiteY9" fmla="*/ 296862 h 6858000"/>
-              <a:gd name="connsiteX10" fmla="*/ 4601320 w 4693698"/>
-              <a:gd name="connsiteY10" fmla="*/ 334962 h 6858000"/>
-              <a:gd name="connsiteX11" fmla="*/ 4619796 w 4693698"/>
-              <a:gd name="connsiteY11" fmla="*/ 369887 h 6858000"/>
-              <a:gd name="connsiteX12" fmla="*/ 4638271 w 4693698"/>
-              <a:gd name="connsiteY12" fmla="*/ 409575 h 6858000"/>
-              <a:gd name="connsiteX13" fmla="*/ 4655067 w 4693698"/>
-              <a:gd name="connsiteY13" fmla="*/ 450850 h 6858000"/>
-              <a:gd name="connsiteX14" fmla="*/ 4670184 w 4693698"/>
-              <a:gd name="connsiteY14" fmla="*/ 496887 h 6858000"/>
-              <a:gd name="connsiteX15" fmla="*/ 4681941 w 4693698"/>
-              <a:gd name="connsiteY15" fmla="*/ 546100 h 6858000"/>
-              <a:gd name="connsiteX16" fmla="*/ 4690339 w 4693698"/>
-              <a:gd name="connsiteY16" fmla="*/ 606425 h 6858000"/>
-              <a:gd name="connsiteX17" fmla="*/ 4693698 w 4693698"/>
-              <a:gd name="connsiteY17" fmla="*/ 673100 h 6858000"/>
-              <a:gd name="connsiteX18" fmla="*/ 4690339 w 4693698"/>
-              <a:gd name="connsiteY18" fmla="*/ 744537 h 6858000"/>
-              <a:gd name="connsiteX19" fmla="*/ 4681941 w 4693698"/>
-              <a:gd name="connsiteY19" fmla="*/ 801687 h 6858000"/>
-              <a:gd name="connsiteX20" fmla="*/ 4670184 w 4693698"/>
-              <a:gd name="connsiteY20" fmla="*/ 854075 h 6858000"/>
-              <a:gd name="connsiteX21" fmla="*/ 4655067 w 4693698"/>
-              <a:gd name="connsiteY21" fmla="*/ 901700 h 6858000"/>
-              <a:gd name="connsiteX22" fmla="*/ 4638271 w 4693698"/>
-              <a:gd name="connsiteY22" fmla="*/ 942975 h 6858000"/>
-              <a:gd name="connsiteX23" fmla="*/ 4618116 w 4693698"/>
-              <a:gd name="connsiteY23" fmla="*/ 981075 h 6858000"/>
-              <a:gd name="connsiteX24" fmla="*/ 4597961 w 4693698"/>
-              <a:gd name="connsiteY24" fmla="*/ 1017587 h 6858000"/>
-              <a:gd name="connsiteX25" fmla="*/ 4577806 w 4693698"/>
-              <a:gd name="connsiteY25" fmla="*/ 1055687 h 6858000"/>
-              <a:gd name="connsiteX26" fmla="*/ 4559330 w 4693698"/>
-              <a:gd name="connsiteY26" fmla="*/ 1095375 h 6858000"/>
-              <a:gd name="connsiteX27" fmla="*/ 4540854 w 4693698"/>
-              <a:gd name="connsiteY27" fmla="*/ 1136650 h 6858000"/>
-              <a:gd name="connsiteX28" fmla="*/ 4525739 w 4693698"/>
-              <a:gd name="connsiteY28" fmla="*/ 1182687 h 6858000"/>
-              <a:gd name="connsiteX29" fmla="*/ 4515661 w 4693698"/>
-              <a:gd name="connsiteY29" fmla="*/ 1235075 h 6858000"/>
-              <a:gd name="connsiteX30" fmla="*/ 4505583 w 4693698"/>
-              <a:gd name="connsiteY30" fmla="*/ 1295400 h 6858000"/>
-              <a:gd name="connsiteX31" fmla="*/ 4503903 w 4693698"/>
-              <a:gd name="connsiteY31" fmla="*/ 1363662 h 6858000"/>
-              <a:gd name="connsiteX32" fmla="*/ 4505583 w 4693698"/>
-              <a:gd name="connsiteY32" fmla="*/ 1431925 h 6858000"/>
-              <a:gd name="connsiteX33" fmla="*/ 4515661 w 4693698"/>
-              <a:gd name="connsiteY33" fmla="*/ 1492250 h 6858000"/>
-              <a:gd name="connsiteX34" fmla="*/ 4525739 w 4693698"/>
-              <a:gd name="connsiteY34" fmla="*/ 1544637 h 6858000"/>
-              <a:gd name="connsiteX35" fmla="*/ 4540854 w 4693698"/>
-              <a:gd name="connsiteY35" fmla="*/ 1589087 h 6858000"/>
-              <a:gd name="connsiteX36" fmla="*/ 4559330 w 4693698"/>
-              <a:gd name="connsiteY36" fmla="*/ 1631950 h 6858000"/>
-              <a:gd name="connsiteX37" fmla="*/ 4577806 w 4693698"/>
-              <a:gd name="connsiteY37" fmla="*/ 1671637 h 6858000"/>
-              <a:gd name="connsiteX38" fmla="*/ 4597961 w 4693698"/>
-              <a:gd name="connsiteY38" fmla="*/ 1708150 h 6858000"/>
-              <a:gd name="connsiteX39" fmla="*/ 4618116 w 4693698"/>
-              <a:gd name="connsiteY39" fmla="*/ 1743075 h 6858000"/>
-              <a:gd name="connsiteX40" fmla="*/ 4638271 w 4693698"/>
-              <a:gd name="connsiteY40" fmla="*/ 1782762 h 6858000"/>
-              <a:gd name="connsiteX41" fmla="*/ 4655067 w 4693698"/>
-              <a:gd name="connsiteY41" fmla="*/ 1824037 h 6858000"/>
-              <a:gd name="connsiteX42" fmla="*/ 4670184 w 4693698"/>
-              <a:gd name="connsiteY42" fmla="*/ 1870075 h 6858000"/>
-              <a:gd name="connsiteX43" fmla="*/ 4681941 w 4693698"/>
-              <a:gd name="connsiteY43" fmla="*/ 1922462 h 6858000"/>
-              <a:gd name="connsiteX44" fmla="*/ 4690339 w 4693698"/>
-              <a:gd name="connsiteY44" fmla="*/ 1982787 h 6858000"/>
-              <a:gd name="connsiteX45" fmla="*/ 4693698 w 4693698"/>
-              <a:gd name="connsiteY45" fmla="*/ 2051050 h 6858000"/>
-              <a:gd name="connsiteX46" fmla="*/ 4690339 w 4693698"/>
-              <a:gd name="connsiteY46" fmla="*/ 2119312 h 6858000"/>
-              <a:gd name="connsiteX47" fmla="*/ 4681941 w 4693698"/>
-              <a:gd name="connsiteY47" fmla="*/ 2179637 h 6858000"/>
-              <a:gd name="connsiteX48" fmla="*/ 4670184 w 4693698"/>
-              <a:gd name="connsiteY48" fmla="*/ 2232025 h 6858000"/>
-              <a:gd name="connsiteX49" fmla="*/ 4655067 w 4693698"/>
-              <a:gd name="connsiteY49" fmla="*/ 2278062 h 6858000"/>
-              <a:gd name="connsiteX50" fmla="*/ 4638271 w 4693698"/>
-              <a:gd name="connsiteY50" fmla="*/ 2319337 h 6858000"/>
-              <a:gd name="connsiteX51" fmla="*/ 4618116 w 4693698"/>
-              <a:gd name="connsiteY51" fmla="*/ 2359025 h 6858000"/>
-              <a:gd name="connsiteX52" fmla="*/ 4597961 w 4693698"/>
-              <a:gd name="connsiteY52" fmla="*/ 2395537 h 6858000"/>
-              <a:gd name="connsiteX53" fmla="*/ 4577806 w 4693698"/>
-              <a:gd name="connsiteY53" fmla="*/ 2433637 h 6858000"/>
-              <a:gd name="connsiteX54" fmla="*/ 4559330 w 4693698"/>
-              <a:gd name="connsiteY54" fmla="*/ 2471737 h 6858000"/>
-              <a:gd name="connsiteX55" fmla="*/ 4540854 w 4693698"/>
-              <a:gd name="connsiteY55" fmla="*/ 2513012 h 6858000"/>
-              <a:gd name="connsiteX56" fmla="*/ 4525739 w 4693698"/>
-              <a:gd name="connsiteY56" fmla="*/ 2560637 h 6858000"/>
-              <a:gd name="connsiteX57" fmla="*/ 4515661 w 4693698"/>
-              <a:gd name="connsiteY57" fmla="*/ 2613025 h 6858000"/>
-              <a:gd name="connsiteX58" fmla="*/ 4505583 w 4693698"/>
-              <a:gd name="connsiteY58" fmla="*/ 2671762 h 6858000"/>
-              <a:gd name="connsiteX59" fmla="*/ 4503903 w 4693698"/>
-              <a:gd name="connsiteY59" fmla="*/ 2741612 h 6858000"/>
-              <a:gd name="connsiteX60" fmla="*/ 4505583 w 4693698"/>
-              <a:gd name="connsiteY60" fmla="*/ 2809875 h 6858000"/>
-              <a:gd name="connsiteX61" fmla="*/ 4515661 w 4693698"/>
-              <a:gd name="connsiteY61" fmla="*/ 2868612 h 6858000"/>
-              <a:gd name="connsiteX62" fmla="*/ 4525739 w 4693698"/>
-              <a:gd name="connsiteY62" fmla="*/ 2922587 h 6858000"/>
-              <a:gd name="connsiteX63" fmla="*/ 4540854 w 4693698"/>
-              <a:gd name="connsiteY63" fmla="*/ 2967037 h 6858000"/>
-              <a:gd name="connsiteX64" fmla="*/ 4559330 w 4693698"/>
-              <a:gd name="connsiteY64" fmla="*/ 3009900 h 6858000"/>
-              <a:gd name="connsiteX65" fmla="*/ 4577806 w 4693698"/>
-              <a:gd name="connsiteY65" fmla="*/ 3046412 h 6858000"/>
-              <a:gd name="connsiteX66" fmla="*/ 4597961 w 4693698"/>
-              <a:gd name="connsiteY66" fmla="*/ 3084512 h 6858000"/>
-              <a:gd name="connsiteX67" fmla="*/ 4618116 w 4693698"/>
-              <a:gd name="connsiteY67" fmla="*/ 3121025 h 6858000"/>
-              <a:gd name="connsiteX68" fmla="*/ 4638271 w 4693698"/>
-              <a:gd name="connsiteY68" fmla="*/ 3160712 h 6858000"/>
-              <a:gd name="connsiteX69" fmla="*/ 4655067 w 4693698"/>
-              <a:gd name="connsiteY69" fmla="*/ 3201987 h 6858000"/>
-              <a:gd name="connsiteX70" fmla="*/ 4670184 w 4693698"/>
-              <a:gd name="connsiteY70" fmla="*/ 3248025 h 6858000"/>
-              <a:gd name="connsiteX71" fmla="*/ 4681941 w 4693698"/>
-              <a:gd name="connsiteY71" fmla="*/ 3300412 h 6858000"/>
-              <a:gd name="connsiteX72" fmla="*/ 4690339 w 4693698"/>
-              <a:gd name="connsiteY72" fmla="*/ 3360737 h 6858000"/>
-              <a:gd name="connsiteX73" fmla="*/ 4693698 w 4693698"/>
-              <a:gd name="connsiteY73" fmla="*/ 3427412 h 6858000"/>
-              <a:gd name="connsiteX74" fmla="*/ 4690339 w 4693698"/>
-              <a:gd name="connsiteY74" fmla="*/ 3497262 h 6858000"/>
-              <a:gd name="connsiteX75" fmla="*/ 4681941 w 4693698"/>
-              <a:gd name="connsiteY75" fmla="*/ 3557587 h 6858000"/>
-              <a:gd name="connsiteX76" fmla="*/ 4670184 w 4693698"/>
-              <a:gd name="connsiteY76" fmla="*/ 3609975 h 6858000"/>
-              <a:gd name="connsiteX77" fmla="*/ 4655067 w 4693698"/>
-              <a:gd name="connsiteY77" fmla="*/ 3656012 h 6858000"/>
-              <a:gd name="connsiteX78" fmla="*/ 4638271 w 4693698"/>
-              <a:gd name="connsiteY78" fmla="*/ 3697287 h 6858000"/>
-              <a:gd name="connsiteX79" fmla="*/ 4618116 w 4693698"/>
-              <a:gd name="connsiteY79" fmla="*/ 3736975 h 6858000"/>
-              <a:gd name="connsiteX80" fmla="*/ 4577806 w 4693698"/>
-              <a:gd name="connsiteY80" fmla="*/ 3811587 h 6858000"/>
-              <a:gd name="connsiteX81" fmla="*/ 4559330 w 4693698"/>
-              <a:gd name="connsiteY81" fmla="*/ 3848100 h 6858000"/>
-              <a:gd name="connsiteX82" fmla="*/ 4540854 w 4693698"/>
-              <a:gd name="connsiteY82" fmla="*/ 3890962 h 6858000"/>
-              <a:gd name="connsiteX83" fmla="*/ 4525739 w 4693698"/>
-              <a:gd name="connsiteY83" fmla="*/ 3935412 h 6858000"/>
-              <a:gd name="connsiteX84" fmla="*/ 4515661 w 4693698"/>
-              <a:gd name="connsiteY84" fmla="*/ 3987800 h 6858000"/>
-              <a:gd name="connsiteX85" fmla="*/ 4505583 w 4693698"/>
-              <a:gd name="connsiteY85" fmla="*/ 4048125 h 6858000"/>
-              <a:gd name="connsiteX86" fmla="*/ 4503903 w 4693698"/>
-              <a:gd name="connsiteY86" fmla="*/ 4116387 h 6858000"/>
-              <a:gd name="connsiteX87" fmla="*/ 4505583 w 4693698"/>
-              <a:gd name="connsiteY87" fmla="*/ 4186237 h 6858000"/>
-              <a:gd name="connsiteX88" fmla="*/ 4515661 w 4693698"/>
-              <a:gd name="connsiteY88" fmla="*/ 4244975 h 6858000"/>
-              <a:gd name="connsiteX89" fmla="*/ 4525739 w 4693698"/>
-              <a:gd name="connsiteY89" fmla="*/ 4297362 h 6858000"/>
-              <a:gd name="connsiteX90" fmla="*/ 4540854 w 4693698"/>
-              <a:gd name="connsiteY90" fmla="*/ 4343400 h 6858000"/>
-              <a:gd name="connsiteX91" fmla="*/ 4559330 w 4693698"/>
-              <a:gd name="connsiteY91" fmla="*/ 4386262 h 6858000"/>
-              <a:gd name="connsiteX92" fmla="*/ 4577806 w 4693698"/>
-              <a:gd name="connsiteY92" fmla="*/ 4424362 h 6858000"/>
-              <a:gd name="connsiteX93" fmla="*/ 4618116 w 4693698"/>
-              <a:gd name="connsiteY93" fmla="*/ 4498975 h 6858000"/>
-              <a:gd name="connsiteX94" fmla="*/ 4638271 w 4693698"/>
-              <a:gd name="connsiteY94" fmla="*/ 4537075 h 6858000"/>
-              <a:gd name="connsiteX95" fmla="*/ 4655067 w 4693698"/>
-              <a:gd name="connsiteY95" fmla="*/ 4579937 h 6858000"/>
-              <a:gd name="connsiteX96" fmla="*/ 4670184 w 4693698"/>
-              <a:gd name="connsiteY96" fmla="*/ 4625975 h 6858000"/>
-              <a:gd name="connsiteX97" fmla="*/ 4681941 w 4693698"/>
-              <a:gd name="connsiteY97" fmla="*/ 4678362 h 6858000"/>
-              <a:gd name="connsiteX98" fmla="*/ 4690339 w 4693698"/>
-              <a:gd name="connsiteY98" fmla="*/ 4738687 h 6858000"/>
-              <a:gd name="connsiteX99" fmla="*/ 4693698 w 4693698"/>
-              <a:gd name="connsiteY99" fmla="*/ 4806950 h 6858000"/>
-              <a:gd name="connsiteX100" fmla="*/ 4690339 w 4693698"/>
-              <a:gd name="connsiteY100" fmla="*/ 4875212 h 6858000"/>
-              <a:gd name="connsiteX101" fmla="*/ 4681941 w 4693698"/>
-              <a:gd name="connsiteY101" fmla="*/ 4935537 h 6858000"/>
-              <a:gd name="connsiteX102" fmla="*/ 4670184 w 4693698"/>
-              <a:gd name="connsiteY102" fmla="*/ 4987925 h 6858000"/>
-              <a:gd name="connsiteX103" fmla="*/ 4655067 w 4693698"/>
-              <a:gd name="connsiteY103" fmla="*/ 5033962 h 6858000"/>
-              <a:gd name="connsiteX104" fmla="*/ 4638271 w 4693698"/>
-              <a:gd name="connsiteY104" fmla="*/ 5075237 h 6858000"/>
-              <a:gd name="connsiteX105" fmla="*/ 4618116 w 4693698"/>
-              <a:gd name="connsiteY105" fmla="*/ 5114925 h 6858000"/>
-              <a:gd name="connsiteX106" fmla="*/ 4597961 w 4693698"/>
-              <a:gd name="connsiteY106" fmla="*/ 5149850 h 6858000"/>
-              <a:gd name="connsiteX107" fmla="*/ 4577806 w 4693698"/>
-              <a:gd name="connsiteY107" fmla="*/ 5186362 h 6858000"/>
-              <a:gd name="connsiteX108" fmla="*/ 4559330 w 4693698"/>
-              <a:gd name="connsiteY108" fmla="*/ 5226050 h 6858000"/>
-              <a:gd name="connsiteX109" fmla="*/ 4540854 w 4693698"/>
-              <a:gd name="connsiteY109" fmla="*/ 5268912 h 6858000"/>
-              <a:gd name="connsiteX110" fmla="*/ 4525739 w 4693698"/>
-              <a:gd name="connsiteY110" fmla="*/ 5313362 h 6858000"/>
-              <a:gd name="connsiteX111" fmla="*/ 4515661 w 4693698"/>
-              <a:gd name="connsiteY111" fmla="*/ 5365750 h 6858000"/>
-              <a:gd name="connsiteX112" fmla="*/ 4505583 w 4693698"/>
-              <a:gd name="connsiteY112" fmla="*/ 5426075 h 6858000"/>
-              <a:gd name="connsiteX113" fmla="*/ 4503903 w 4693698"/>
-              <a:gd name="connsiteY113" fmla="*/ 5494337 h 6858000"/>
-              <a:gd name="connsiteX114" fmla="*/ 4505583 w 4693698"/>
-              <a:gd name="connsiteY114" fmla="*/ 5562600 h 6858000"/>
-              <a:gd name="connsiteX115" fmla="*/ 4515661 w 4693698"/>
-              <a:gd name="connsiteY115" fmla="*/ 5622925 h 6858000"/>
-              <a:gd name="connsiteX116" fmla="*/ 4525739 w 4693698"/>
-              <a:gd name="connsiteY116" fmla="*/ 5675312 h 6858000"/>
-              <a:gd name="connsiteX117" fmla="*/ 4540854 w 4693698"/>
-              <a:gd name="connsiteY117" fmla="*/ 5721350 h 6858000"/>
-              <a:gd name="connsiteX118" fmla="*/ 4559330 w 4693698"/>
-              <a:gd name="connsiteY118" fmla="*/ 5762625 h 6858000"/>
-              <a:gd name="connsiteX119" fmla="*/ 4577806 w 4693698"/>
-              <a:gd name="connsiteY119" fmla="*/ 5802312 h 6858000"/>
-              <a:gd name="connsiteX120" fmla="*/ 4597961 w 4693698"/>
-              <a:gd name="connsiteY120" fmla="*/ 5840412 h 6858000"/>
-              <a:gd name="connsiteX121" fmla="*/ 4618116 w 4693698"/>
-              <a:gd name="connsiteY121" fmla="*/ 5876925 h 6858000"/>
-              <a:gd name="connsiteX122" fmla="*/ 4638271 w 4693698"/>
-              <a:gd name="connsiteY122" fmla="*/ 5915025 h 6858000"/>
-              <a:gd name="connsiteX123" fmla="*/ 4655067 w 4693698"/>
-              <a:gd name="connsiteY123" fmla="*/ 5956300 h 6858000"/>
-              <a:gd name="connsiteX124" fmla="*/ 4670184 w 4693698"/>
-              <a:gd name="connsiteY124" fmla="*/ 6003925 h 6858000"/>
-              <a:gd name="connsiteX125" fmla="*/ 4681941 w 4693698"/>
-              <a:gd name="connsiteY125" fmla="*/ 6056312 h 6858000"/>
-              <a:gd name="connsiteX126" fmla="*/ 4690339 w 4693698"/>
-              <a:gd name="connsiteY126" fmla="*/ 6113462 h 6858000"/>
-              <a:gd name="connsiteX127" fmla="*/ 4693698 w 4693698"/>
-              <a:gd name="connsiteY127" fmla="*/ 6183312 h 6858000"/>
-              <a:gd name="connsiteX128" fmla="*/ 4690339 w 4693698"/>
-              <a:gd name="connsiteY128" fmla="*/ 6251575 h 6858000"/>
-              <a:gd name="connsiteX129" fmla="*/ 4681941 w 4693698"/>
-              <a:gd name="connsiteY129" fmla="*/ 6311900 h 6858000"/>
-              <a:gd name="connsiteX130" fmla="*/ 4670184 w 4693698"/>
-              <a:gd name="connsiteY130" fmla="*/ 6361112 h 6858000"/>
-              <a:gd name="connsiteX131" fmla="*/ 4655067 w 4693698"/>
-              <a:gd name="connsiteY131" fmla="*/ 6407150 h 6858000"/>
-              <a:gd name="connsiteX132" fmla="*/ 4638271 w 4693698"/>
-              <a:gd name="connsiteY132" fmla="*/ 6448425 h 6858000"/>
-              <a:gd name="connsiteX133" fmla="*/ 4619796 w 4693698"/>
-              <a:gd name="connsiteY133" fmla="*/ 6488112 h 6858000"/>
-              <a:gd name="connsiteX134" fmla="*/ 4601320 w 4693698"/>
-              <a:gd name="connsiteY134" fmla="*/ 6523037 h 6858000"/>
-              <a:gd name="connsiteX135" fmla="*/ 4581165 w 4693698"/>
-              <a:gd name="connsiteY135" fmla="*/ 6561137 h 6858000"/>
-              <a:gd name="connsiteX136" fmla="*/ 4561010 w 4693698"/>
-              <a:gd name="connsiteY136" fmla="*/ 6597650 h 6858000"/>
-              <a:gd name="connsiteX137" fmla="*/ 4544214 w 4693698"/>
-              <a:gd name="connsiteY137" fmla="*/ 6640512 h 6858000"/>
-              <a:gd name="connsiteX138" fmla="*/ 4527418 w 4693698"/>
-              <a:gd name="connsiteY138" fmla="*/ 6683375 h 6858000"/>
-              <a:gd name="connsiteX139" fmla="*/ 4517340 w 4693698"/>
-              <a:gd name="connsiteY139" fmla="*/ 6735762 h 6858000"/>
-              <a:gd name="connsiteX140" fmla="*/ 4508943 w 4693698"/>
-              <a:gd name="connsiteY140" fmla="*/ 6791325 h 6858000"/>
-              <a:gd name="connsiteX141" fmla="*/ 4503903 w 4693698"/>
-              <a:gd name="connsiteY141" fmla="*/ 6858000 h 6858000"/>
-              <a:gd name="connsiteX142" fmla="*/ 1582057 w 4693698"/>
-              <a:gd name="connsiteY142" fmla="*/ 6858000 h 6858000"/>
-              <a:gd name="connsiteX143" fmla="*/ 420914 w 4693698"/>
-              <a:gd name="connsiteY143" fmla="*/ 6858000 h 6858000"/>
-              <a:gd name="connsiteX144" fmla="*/ 0 w 4693698"/>
-              <a:gd name="connsiteY144" fmla="*/ 6858000 h 6858000"/>
-            </a:gdLst>
-            <a:ahLst/>
-            <a:cxnLst>
-              <a:cxn ang="0">
-                <a:pos x="connsiteX0" y="connsiteY0"/>
-              </a:cxn>
-              <a:cxn ang="0">
-                <a:pos x="connsiteX1" y="connsiteY1"/>
-              </a:cxn>
-              <a:cxn ang="0">
-                <a:pos x="connsiteX2" y="connsiteY2"/>
-              </a:cxn>
-              <a:cxn ang="0">
-                <a:pos x="connsiteX3" y="connsiteY3"/>
-              </a:cxn>
-              <a:cxn ang="0">
-                <a:pos x="connsiteX4" y="connsiteY4"/>
-              </a:cxn>
-              <a:cxn ang="0">
-                <a:pos x="connsiteX5" y="connsiteY5"/>
-              </a:cxn>
-              <a:cxn ang="0">
-                <a:pos x="connsiteX6" y="connsiteY6"/>
-              </a:cxn>
-              <a:cxn ang="0">
-                <a:pos x="connsiteX7" y="connsiteY7"/>
-              </a:cxn>
-              <a:cxn ang="0">
-                <a:pos x="connsiteX8" y="connsiteY8"/>
-              </a:cxn>
-              <a:cxn ang="0">
-                <a:pos x="connsiteX9" y="connsiteY9"/>
-              </a:cxn>
-              <a:cxn ang="0">
-                <a:pos x="connsiteX10" y="connsiteY10"/>
-              </a:cxn>
-              <a:cxn ang="0">
-                <a:pos x="connsiteX11" y="connsiteY11"/>
-              </a:cxn>
-              <a:cxn ang="0">
-                <a:pos x="connsiteX12" y="connsiteY12"/>
-              </a:cxn>
-              <a:cxn ang="0">
-                <a:pos x="connsiteX13" y="connsiteY13"/>
-              </a:cxn>
-              <a:cxn ang="0">
-                <a:pos x="connsiteX14" y="connsiteY14"/>
-              </a:cxn>
-              <a:cxn ang="0">
-                <a:pos x="connsiteX15" y="connsiteY15"/>
-              </a:cxn>
-              <a:cxn ang="0">
-                <a:pos x="connsiteX16" y="connsiteY16"/>
-              </a:cxn>
-              <a:cxn ang="0">
-                <a:pos x="connsiteX17" y="connsiteY17"/>
-              </a:cxn>
-              <a:cxn ang="0">
-                <a:pos x="connsiteX18" y="connsiteY18"/>
-              </a:cxn>
-              <a:cxn ang="0">
-                <a:pos x="connsiteX19" y="connsiteY19"/>
-              </a:cxn>
-              <a:cxn ang="0">
-                <a:pos x="connsiteX20" y="connsiteY20"/>
-              </a:cxn>
-              <a:cxn ang="0">
-                <a:pos x="connsiteX21" y="connsiteY21"/>
-              </a:cxn>
-              <a:cxn ang="0">
-                <a:pos x="connsiteX22" y="connsiteY22"/>
-              </a:cxn>
-              <a:cxn ang="0">
-                <a:pos x="connsiteX23" y="connsiteY23"/>
-              </a:cxn>
-              <a:cxn ang="0">
-                <a:pos x="connsiteX24" y="connsiteY24"/>
-              </a:cxn>
-              <a:cxn ang="0">
-                <a:pos x="connsiteX25" y="connsiteY25"/>
-              </a:cxn>
-              <a:cxn ang="0">
-                <a:pos x="connsiteX26" y="connsiteY26"/>
-              </a:cxn>
-              <a:cxn ang="0">
-                <a:pos x="connsiteX27" y="connsiteY27"/>
-              </a:cxn>
-              <a:cxn ang="0">
-                <a:pos x="connsiteX28" y="connsiteY28"/>
-              </a:cxn>
-              <a:cxn ang="0">
-                <a:pos x="connsiteX29" y="connsiteY29"/>
-              </a:cxn>
-              <a:cxn ang="0">
-                <a:pos x="connsiteX30" y="connsiteY30"/>
-              </a:cxn>
-              <a:cxn ang="0">
-                <a:pos x="connsiteX31" y="connsiteY31"/>
-              </a:cxn>
-              <a:cxn ang="0">
-                <a:pos x="connsiteX32" y="connsiteY32"/>
-              </a:cxn>
-              <a:cxn ang="0">
-                <a:pos x="connsiteX33" y="connsiteY33"/>
-              </a:cxn>
-              <a:cxn ang="0">
-                <a:pos x="connsiteX34" y="connsiteY34"/>
-              </a:cxn>
-              <a:cxn ang="0">
-                <a:pos x="connsiteX35" y="connsiteY35"/>
-              </a:cxn>
-              <a:cxn ang="0">
-                <a:pos x="connsiteX36" y="connsiteY36"/>
-              </a:cxn>
-              <a:cxn ang="0">
-                <a:pos x="connsiteX37" y="connsiteY37"/>
-              </a:cxn>
-              <a:cxn ang="0">
-                <a:pos x="connsiteX38" y="connsiteY38"/>
-              </a:cxn>
-              <a:cxn ang="0">
-                <a:pos x="connsiteX39" y="connsiteY39"/>
-              </a:cxn>
-              <a:cxn ang="0">
-                <a:pos x="connsiteX40" y="connsiteY40"/>
-              </a:cxn>
-              <a:cxn ang="0">
-                <a:pos x="connsiteX41" y="connsiteY41"/>
-              </a:cxn>
-              <a:cxn ang="0">
-                <a:pos x="connsiteX42" y="connsiteY42"/>
-              </a:cxn>
-              <a:cxn ang="0">
-                <a:pos x="connsiteX43" y="connsiteY43"/>
-              </a:cxn>
-              <a:cxn ang="0">
-                <a:pos x="connsiteX44" y="connsiteY44"/>
-              </a:cxn>
-              <a:cxn ang="0">
-                <a:pos x="connsiteX45" y="connsiteY45"/>
-              </a:cxn>
-              <a:cxn ang="0">
-                <a:pos x="connsiteX46" y="connsiteY46"/>
-              </a:cxn>
-              <a:cxn ang="0">
-                <a:pos x="connsiteX47" y="connsiteY47"/>
-              </a:cxn>
-              <a:cxn ang="0">
-                <a:pos x="connsiteX48" y="connsiteY48"/>
-              </a:cxn>
-              <a:cxn ang="0">
-                <a:pos x="connsiteX49" y="connsiteY49"/>
-              </a:cxn>
-              <a:cxn ang="0">
-                <a:pos x="connsiteX50" y="connsiteY50"/>
-              </a:cxn>
-              <a:cxn ang="0">
-                <a:pos x="connsiteX51" y="connsiteY51"/>
-              </a:cxn>
-              <a:cxn ang="0">
-                <a:pos x="connsiteX52" y="connsiteY52"/>
-              </a:cxn>
-              <a:cxn ang="0">
-                <a:pos x="connsiteX53" y="connsiteY53"/>
-              </a:cxn>
-              <a:cxn ang="0">
-                <a:pos x="connsiteX54" y="connsiteY54"/>
-              </a:cxn>
-              <a:cxn ang="0">
-                <a:pos x="connsiteX55" y="connsiteY55"/>
-              </a:cxn>
-              <a:cxn ang="0">
-                <a:pos x="connsiteX56" y="connsiteY56"/>
-              </a:cxn>
-              <a:cxn ang="0">
-                <a:pos x="connsiteX57" y="connsiteY57"/>
-              </a:cxn>
-              <a:cxn ang="0">
-                <a:pos x="connsiteX58" y="connsiteY58"/>
-              </a:cxn>
-              <a:cxn ang="0">
-                <a:pos x="connsiteX59" y="connsiteY59"/>
-              </a:cxn>
-              <a:cxn ang="0">
-                <a:pos x="connsiteX60" y="connsiteY60"/>
-              </a:cxn>
-              <a:cxn ang="0">
-                <a:pos x="connsiteX61" y="connsiteY61"/>
-              </a:cxn>
-              <a:cxn ang="0">
-                <a:pos x="connsiteX62" y="connsiteY62"/>
-              </a:cxn>
-              <a:cxn ang="0">
-                <a:pos x="connsiteX63" y="connsiteY63"/>
-              </a:cxn>
-              <a:cxn ang="0">
-                <a:pos x="connsiteX64" y="connsiteY64"/>
-              </a:cxn>
-              <a:cxn ang="0">
-                <a:pos x="connsiteX65" y="connsiteY65"/>
-              </a:cxn>
-              <a:cxn ang="0">
-                <a:pos x="connsiteX66" y="connsiteY66"/>
-              </a:cxn>
-              <a:cxn ang="0">
-                <a:pos x="connsiteX67" y="connsiteY67"/>
-              </a:cxn>
-              <a:cxn ang="0">
-                <a:pos x="connsiteX68" y="connsiteY68"/>
-              </a:cxn>
-              <a:cxn ang="0">
-                <a:pos x="connsiteX69" y="connsiteY69"/>
-              </a:cxn>
-              <a:cxn ang="0">
-                <a:pos x="connsiteX70" y="connsiteY70"/>
-              </a:cxn>
-              <a:cxn ang="0">
-                <a:pos x="connsiteX71" y="connsiteY71"/>
-              </a:cxn>
-              <a:cxn ang="0">
-                <a:pos x="connsiteX72" y="connsiteY72"/>
-              </a:cxn>
-              <a:cxn ang="0">
-                <a:pos x="connsiteX73" y="connsiteY73"/>
-              </a:cxn>
-              <a:cxn ang="0">
-                <a:pos x="connsiteX74" y="connsiteY74"/>
-              </a:cxn>
-              <a:cxn ang="0">
-                <a:pos x="connsiteX75" y="connsiteY75"/>
-              </a:cxn>
-              <a:cxn ang="0">
-                <a:pos x="connsiteX76" y="connsiteY76"/>
-              </a:cxn>
-              <a:cxn ang="0">
-                <a:pos x="connsiteX77" y="connsiteY77"/>
-              </a:cxn>
-              <a:cxn ang="0">
-                <a:pos x="connsiteX78" y="connsiteY78"/>
-              </a:cxn>
-              <a:cxn ang="0">
-                <a:pos x="connsiteX79" y="connsiteY79"/>
-              </a:cxn>
-              <a:cxn ang="0">
-                <a:pos x="connsiteX80" y="connsiteY80"/>
-              </a:cxn>
-              <a:cxn ang="0">
-                <a:pos x="connsiteX81" y="connsiteY81"/>
-              </a:cxn>
-              <a:cxn ang="0">
-                <a:pos x="connsiteX82" y="connsiteY82"/>
-              </a:cxn>
-              <a:cxn ang="0">
-                <a:pos x="connsiteX83" y="connsiteY83"/>
-              </a:cxn>
-              <a:cxn ang="0">
-                <a:pos x="connsiteX84" y="connsiteY84"/>
-              </a:cxn>
-              <a:cxn ang="0">
-                <a:pos x="connsiteX85" y="connsiteY85"/>
-              </a:cxn>
-              <a:cxn ang="0">
-                <a:pos x="connsiteX86" y="connsiteY86"/>
-              </a:cxn>
-              <a:cxn ang="0">
-                <a:pos x="connsiteX87" y="connsiteY87"/>
-              </a:cxn>
-              <a:cxn ang="0">
-                <a:pos x="connsiteX88" y="connsiteY88"/>
-              </a:cxn>
-              <a:cxn ang="0">
-                <a:pos x="connsiteX89" y="connsiteY89"/>
-              </a:cxn>
-              <a:cxn ang="0">
-                <a:pos x="connsiteX90" y="connsiteY90"/>
-              </a:cxn>
-              <a:cxn ang="0">
-                <a:pos x="connsiteX91" y="connsiteY91"/>
-              </a:cxn>
-              <a:cxn ang="0">
-                <a:pos x="connsiteX92" y="connsiteY92"/>
-              </a:cxn>
-              <a:cxn ang="0">
-                <a:pos x="connsiteX93" y="connsiteY93"/>
-              </a:cxn>
-              <a:cxn ang="0">
-                <a:pos x="connsiteX94" y="connsiteY94"/>
-              </a:cxn>
-              <a:cxn ang="0">
-                <a:pos x="connsiteX95" y="connsiteY95"/>
-              </a:cxn>
-              <a:cxn ang="0">
-                <a:pos x="connsiteX96" y="connsiteY96"/>
-              </a:cxn>
-              <a:cxn ang="0">
-                <a:pos x="connsiteX97" y="connsiteY97"/>
-              </a:cxn>
-              <a:cxn ang="0">
-                <a:pos x="connsiteX98" y="connsiteY98"/>
-              </a:cxn>
-              <a:cxn ang="0">
-                <a:pos x="connsiteX99" y="connsiteY99"/>
-              </a:cxn>
-              <a:cxn ang="0">
-                <a:pos x="connsiteX100" y="connsiteY100"/>
-              </a:cxn>
-              <a:cxn ang="0">
-                <a:pos x="connsiteX101" y="connsiteY101"/>
-              </a:cxn>
-              <a:cxn ang="0">
-                <a:pos x="connsiteX102" y="connsiteY102"/>
-              </a:cxn>
-              <a:cxn ang="0">
-                <a:pos x="connsiteX103" y="connsiteY103"/>
-              </a:cxn>
-              <a:cxn ang="0">
-                <a:pos x="connsiteX104" y="connsiteY104"/>
-              </a:cxn>
-              <a:cxn ang="0">
-                <a:pos x="connsiteX105" y="connsiteY105"/>
-              </a:cxn>
-              <a:cxn ang="0">
-                <a:pos x="connsiteX106" y="connsiteY106"/>
-              </a:cxn>
-              <a:cxn ang="0">
-                <a:pos x="connsiteX107" y="connsiteY107"/>
-              </a:cxn>
-              <a:cxn ang="0">
-                <a:pos x="connsiteX108" y="connsiteY108"/>
-              </a:cxn>
-              <a:cxn ang="0">
-                <a:pos x="connsiteX109" y="connsiteY109"/>
-              </a:cxn>
-              <a:cxn ang="0">
-                <a:pos x="connsiteX110" y="connsiteY110"/>
-              </a:cxn>
-              <a:cxn ang="0">
-                <a:pos x="connsiteX111" y="connsiteY111"/>
-              </a:cxn>
-              <a:cxn ang="0">
-                <a:pos x="connsiteX112" y="connsiteY112"/>
-              </a:cxn>
-              <a:cxn ang="0">
-                <a:pos x="connsiteX113" y="connsiteY113"/>
-              </a:cxn>
-              <a:cxn ang="0">
-                <a:pos x="connsiteX114" y="connsiteY114"/>
-              </a:cxn>
-              <a:cxn ang="0">
-                <a:pos x="connsiteX115" y="connsiteY115"/>
-              </a:cxn>
-              <a:cxn ang="0">
-                <a:pos x="connsiteX116" y="connsiteY116"/>
-              </a:cxn>
-              <a:cxn ang="0">
-                <a:pos x="connsiteX117" y="connsiteY117"/>
-              </a:cxn>
-              <a:cxn ang="0">
-                <a:pos x="connsiteX118" y="connsiteY118"/>
-              </a:cxn>
-              <a:cxn ang="0">
-                <a:pos x="connsiteX119" y="connsiteY119"/>
-              </a:cxn>
-              <a:cxn ang="0">
-                <a:pos x="connsiteX120" y="connsiteY120"/>
-              </a:cxn>
-              <a:cxn ang="0">
-                <a:pos x="connsiteX121" y="connsiteY121"/>
-              </a:cxn>
-              <a:cxn ang="0">
-                <a:pos x="connsiteX122" y="connsiteY122"/>
-              </a:cxn>
-              <a:cxn ang="0">
-                <a:pos x="connsiteX123" y="connsiteY123"/>
-              </a:cxn>
-              <a:cxn ang="0">
-                <a:pos x="connsiteX124" y="connsiteY124"/>
-              </a:cxn>
-              <a:cxn ang="0">
-                <a:pos x="connsiteX125" y="connsiteY125"/>
-              </a:cxn>
-              <a:cxn ang="0">
-                <a:pos x="connsiteX126" y="connsiteY126"/>
-              </a:cxn>
-              <a:cxn ang="0">
-                <a:pos x="connsiteX127" y="connsiteY127"/>
-              </a:cxn>
-              <a:cxn ang="0">
-                <a:pos x="connsiteX128" y="connsiteY128"/>
-              </a:cxn>
-              <a:cxn ang="0">
-                <a:pos x="connsiteX129" y="connsiteY129"/>
-              </a:cxn>
-              <a:cxn ang="0">
-                <a:pos x="connsiteX130" y="connsiteY130"/>
-              </a:cxn>
-              <a:cxn ang="0">
-                <a:pos x="connsiteX131" y="connsiteY131"/>
-              </a:cxn>
-              <a:cxn ang="0">
-                <a:pos x="connsiteX132" y="connsiteY132"/>
-              </a:cxn>
-              <a:cxn ang="0">
-                <a:pos x="connsiteX133" y="connsiteY133"/>
-              </a:cxn>
-              <a:cxn ang="0">
-                <a:pos x="connsiteX134" y="connsiteY134"/>
-              </a:cxn>
-              <a:cxn ang="0">
-                <a:pos x="connsiteX135" y="connsiteY135"/>
-              </a:cxn>
-              <a:cxn ang="0">
-                <a:pos x="connsiteX136" y="connsiteY136"/>
-              </a:cxn>
-              <a:cxn ang="0">
-                <a:pos x="connsiteX137" y="connsiteY137"/>
-              </a:cxn>
-              <a:cxn ang="0">
-                <a:pos x="connsiteX138" y="connsiteY138"/>
-              </a:cxn>
-              <a:cxn ang="0">
-                <a:pos x="connsiteX139" y="connsiteY139"/>
-              </a:cxn>
-              <a:cxn ang="0">
-                <a:pos x="connsiteX140" y="connsiteY140"/>
-              </a:cxn>
-              <a:cxn ang="0">
-                <a:pos x="connsiteX141" y="connsiteY141"/>
-              </a:cxn>
-              <a:cxn ang="0">
-                <a:pos x="connsiteX142" y="connsiteY142"/>
-              </a:cxn>
-              <a:cxn ang="0">
-                <a:pos x="connsiteX143" y="connsiteY143"/>
-              </a:cxn>
-              <a:cxn ang="0">
-                <a:pos x="connsiteX144" y="connsiteY144"/>
-              </a:cxn>
-            </a:cxnLst>
-            <a:rect l="l" t="t" r="r" b="b"/>
-            <a:pathLst>
-              <a:path w="4693698" h="6858000">
-                <a:moveTo>
-                  <a:pt x="0" y="0"/>
-                </a:moveTo>
-                <a:lnTo>
-                  <a:pt x="420914" y="0"/>
-                </a:lnTo>
-                <a:lnTo>
-                  <a:pt x="1582057" y="0"/>
-                </a:lnTo>
-                <a:lnTo>
-                  <a:pt x="4503903" y="0"/>
-                </a:lnTo>
-                <a:lnTo>
-                  <a:pt x="4508943" y="66675"/>
-                </a:lnTo>
-                <a:lnTo>
-                  <a:pt x="4517340" y="122237"/>
-                </a:lnTo>
-                <a:lnTo>
-                  <a:pt x="4527418" y="174625"/>
-                </a:lnTo>
-                <a:lnTo>
-                  <a:pt x="4544214" y="217487"/>
-                </a:lnTo>
-                <a:lnTo>
-                  <a:pt x="4561010" y="260350"/>
-                </a:lnTo>
-                <a:lnTo>
-                  <a:pt x="4581165" y="296862"/>
-                </a:lnTo>
-                <a:lnTo>
-                  <a:pt x="4601320" y="334962"/>
-                </a:lnTo>
-                <a:lnTo>
-                  <a:pt x="4619796" y="369887"/>
-                </a:lnTo>
-                <a:lnTo>
-                  <a:pt x="4638271" y="409575"/>
-                </a:lnTo>
-                <a:lnTo>
-                  <a:pt x="4655067" y="450850"/>
-                </a:lnTo>
-                <a:lnTo>
-                  <a:pt x="4670184" y="496887"/>
-                </a:lnTo>
-                <a:lnTo>
-                  <a:pt x="4681941" y="546100"/>
-                </a:lnTo>
-                <a:lnTo>
-                  <a:pt x="4690339" y="606425"/>
-                </a:lnTo>
-                <a:lnTo>
-                  <a:pt x="4693698" y="673100"/>
-                </a:lnTo>
-                <a:lnTo>
-                  <a:pt x="4690339" y="744537"/>
-                </a:lnTo>
-                <a:lnTo>
-                  <a:pt x="4681941" y="801687"/>
-                </a:lnTo>
-                <a:lnTo>
-                  <a:pt x="4670184" y="854075"/>
-                </a:lnTo>
-                <a:lnTo>
-                  <a:pt x="4655067" y="901700"/>
-                </a:lnTo>
-                <a:lnTo>
-                  <a:pt x="4638271" y="942975"/>
-                </a:lnTo>
-                <a:lnTo>
-                  <a:pt x="4618116" y="981075"/>
-                </a:lnTo>
-                <a:lnTo>
-                  <a:pt x="4597961" y="1017587"/>
-                </a:lnTo>
-                <a:lnTo>
-                  <a:pt x="4577806" y="1055687"/>
-                </a:lnTo>
-                <a:lnTo>
-                  <a:pt x="4559330" y="1095375"/>
-                </a:lnTo>
-                <a:lnTo>
-                  <a:pt x="4540854" y="1136650"/>
-                </a:lnTo>
-                <a:lnTo>
-                  <a:pt x="4525739" y="1182687"/>
-                </a:lnTo>
-                <a:lnTo>
-                  <a:pt x="4515661" y="1235075"/>
-                </a:lnTo>
-                <a:lnTo>
-                  <a:pt x="4505583" y="1295400"/>
-                </a:lnTo>
-                <a:lnTo>
-                  <a:pt x="4503903" y="1363662"/>
-                </a:lnTo>
-                <a:lnTo>
-                  <a:pt x="4505583" y="1431925"/>
-                </a:lnTo>
-                <a:lnTo>
-                  <a:pt x="4515661" y="1492250"/>
-                </a:lnTo>
-                <a:lnTo>
-                  <a:pt x="4525739" y="1544637"/>
-                </a:lnTo>
-                <a:lnTo>
-                  <a:pt x="4540854" y="1589087"/>
-                </a:lnTo>
-                <a:lnTo>
-                  <a:pt x="4559330" y="1631950"/>
-                </a:lnTo>
-                <a:lnTo>
-                  <a:pt x="4577806" y="1671637"/>
-                </a:lnTo>
-                <a:lnTo>
-                  <a:pt x="4597961" y="1708150"/>
-                </a:lnTo>
-                <a:lnTo>
-                  <a:pt x="4618116" y="1743075"/>
-                </a:lnTo>
-                <a:lnTo>
-                  <a:pt x="4638271" y="1782762"/>
-                </a:lnTo>
-                <a:lnTo>
-                  <a:pt x="4655067" y="1824037"/>
-                </a:lnTo>
-                <a:lnTo>
-                  <a:pt x="4670184" y="1870075"/>
-                </a:lnTo>
-                <a:lnTo>
-                  <a:pt x="4681941" y="1922462"/>
-                </a:lnTo>
-                <a:lnTo>
-                  <a:pt x="4690339" y="1982787"/>
-                </a:lnTo>
-                <a:lnTo>
-                  <a:pt x="4693698" y="2051050"/>
-                </a:lnTo>
-                <a:lnTo>
-                  <a:pt x="4690339" y="2119312"/>
-                </a:lnTo>
-                <a:lnTo>
-                  <a:pt x="4681941" y="2179637"/>
-                </a:lnTo>
-                <a:lnTo>
-                  <a:pt x="4670184" y="2232025"/>
-                </a:lnTo>
-                <a:lnTo>
-                  <a:pt x="4655067" y="2278062"/>
-                </a:lnTo>
-                <a:lnTo>
-                  <a:pt x="4638271" y="2319337"/>
-                </a:lnTo>
-                <a:lnTo>
-                  <a:pt x="4618116" y="2359025"/>
-                </a:lnTo>
-                <a:lnTo>
-                  <a:pt x="4597961" y="2395537"/>
-                </a:lnTo>
-                <a:lnTo>
-                  <a:pt x="4577806" y="2433637"/>
-                </a:lnTo>
-                <a:lnTo>
-                  <a:pt x="4559330" y="2471737"/>
-                </a:lnTo>
-                <a:lnTo>
-                  <a:pt x="4540854" y="2513012"/>
-                </a:lnTo>
-                <a:lnTo>
-                  <a:pt x="4525739" y="2560637"/>
-                </a:lnTo>
-                <a:lnTo>
-                  <a:pt x="4515661" y="2613025"/>
-                </a:lnTo>
-                <a:lnTo>
-                  <a:pt x="4505583" y="2671762"/>
-                </a:lnTo>
-                <a:lnTo>
-                  <a:pt x="4503903" y="2741612"/>
-                </a:lnTo>
-                <a:lnTo>
-                  <a:pt x="4505583" y="2809875"/>
-                </a:lnTo>
-                <a:lnTo>
-                  <a:pt x="4515661" y="2868612"/>
-                </a:lnTo>
-                <a:lnTo>
-                  <a:pt x="4525739" y="2922587"/>
-                </a:lnTo>
-                <a:lnTo>
-                  <a:pt x="4540854" y="2967037"/>
-                </a:lnTo>
-                <a:lnTo>
-                  <a:pt x="4559330" y="3009900"/>
-                </a:lnTo>
-                <a:lnTo>
-                  <a:pt x="4577806" y="3046412"/>
-                </a:lnTo>
-                <a:lnTo>
-                  <a:pt x="4597961" y="3084512"/>
-                </a:lnTo>
-                <a:lnTo>
-                  <a:pt x="4618116" y="3121025"/>
-                </a:lnTo>
-                <a:lnTo>
-                  <a:pt x="4638271" y="3160712"/>
-                </a:lnTo>
-                <a:lnTo>
-                  <a:pt x="4655067" y="3201987"/>
-                </a:lnTo>
-                <a:lnTo>
-                  <a:pt x="4670184" y="3248025"/>
-                </a:lnTo>
-                <a:lnTo>
-                  <a:pt x="4681941" y="3300412"/>
-                </a:lnTo>
-                <a:lnTo>
-                  <a:pt x="4690339" y="3360737"/>
-                </a:lnTo>
-                <a:lnTo>
-                  <a:pt x="4693698" y="3427412"/>
-                </a:lnTo>
-                <a:lnTo>
-                  <a:pt x="4690339" y="3497262"/>
-                </a:lnTo>
-                <a:lnTo>
-                  <a:pt x="4681941" y="3557587"/>
-                </a:lnTo>
-                <a:lnTo>
-                  <a:pt x="4670184" y="3609975"/>
-                </a:lnTo>
-                <a:lnTo>
-                  <a:pt x="4655067" y="3656012"/>
-                </a:lnTo>
-                <a:lnTo>
-                  <a:pt x="4638271" y="3697287"/>
-                </a:lnTo>
-                <a:lnTo>
-                  <a:pt x="4618116" y="3736975"/>
-                </a:lnTo>
-                <a:lnTo>
-                  <a:pt x="4577806" y="3811587"/>
-                </a:lnTo>
-                <a:lnTo>
-                  <a:pt x="4559330" y="3848100"/>
-                </a:lnTo>
-                <a:lnTo>
-                  <a:pt x="4540854" y="3890962"/>
-                </a:lnTo>
-                <a:lnTo>
-                  <a:pt x="4525739" y="3935412"/>
-                </a:lnTo>
-                <a:lnTo>
-                  <a:pt x="4515661" y="3987800"/>
-                </a:lnTo>
-                <a:lnTo>
-                  <a:pt x="4505583" y="4048125"/>
-                </a:lnTo>
-                <a:lnTo>
-                  <a:pt x="4503903" y="4116387"/>
-                </a:lnTo>
-                <a:lnTo>
-                  <a:pt x="4505583" y="4186237"/>
-                </a:lnTo>
-                <a:lnTo>
-                  <a:pt x="4515661" y="4244975"/>
-                </a:lnTo>
-                <a:lnTo>
-                  <a:pt x="4525739" y="4297362"/>
-                </a:lnTo>
-                <a:lnTo>
-                  <a:pt x="4540854" y="4343400"/>
-                </a:lnTo>
-                <a:lnTo>
-                  <a:pt x="4559330" y="4386262"/>
-                </a:lnTo>
-                <a:lnTo>
-                  <a:pt x="4577806" y="4424362"/>
-                </a:lnTo>
-                <a:lnTo>
-                  <a:pt x="4618116" y="4498975"/>
-                </a:lnTo>
-                <a:lnTo>
-                  <a:pt x="4638271" y="4537075"/>
-                </a:lnTo>
-                <a:lnTo>
-                  <a:pt x="4655067" y="4579937"/>
-                </a:lnTo>
-                <a:lnTo>
-                  <a:pt x="4670184" y="4625975"/>
-                </a:lnTo>
-                <a:lnTo>
-                  <a:pt x="4681941" y="4678362"/>
-                </a:lnTo>
-                <a:lnTo>
-                  <a:pt x="4690339" y="4738687"/>
-                </a:lnTo>
-                <a:lnTo>
-                  <a:pt x="4693698" y="4806950"/>
-                </a:lnTo>
-                <a:lnTo>
-                  <a:pt x="4690339" y="4875212"/>
-                </a:lnTo>
-                <a:lnTo>
-                  <a:pt x="4681941" y="4935537"/>
-                </a:lnTo>
-                <a:lnTo>
-                  <a:pt x="4670184" y="4987925"/>
-                </a:lnTo>
-                <a:lnTo>
-                  <a:pt x="4655067" y="5033962"/>
-                </a:lnTo>
-                <a:lnTo>
-                  <a:pt x="4638271" y="5075237"/>
-                </a:lnTo>
-                <a:lnTo>
-                  <a:pt x="4618116" y="5114925"/>
-                </a:lnTo>
-                <a:lnTo>
-                  <a:pt x="4597961" y="5149850"/>
-                </a:lnTo>
-                <a:lnTo>
-                  <a:pt x="4577806" y="5186362"/>
-                </a:lnTo>
-                <a:lnTo>
-                  <a:pt x="4559330" y="5226050"/>
-                </a:lnTo>
-                <a:lnTo>
-                  <a:pt x="4540854" y="5268912"/>
-                </a:lnTo>
-                <a:lnTo>
-                  <a:pt x="4525739" y="5313362"/>
-                </a:lnTo>
-                <a:lnTo>
-                  <a:pt x="4515661" y="5365750"/>
-                </a:lnTo>
-                <a:lnTo>
-                  <a:pt x="4505583" y="5426075"/>
-                </a:lnTo>
-                <a:lnTo>
-                  <a:pt x="4503903" y="5494337"/>
-                </a:lnTo>
-                <a:lnTo>
-                  <a:pt x="4505583" y="5562600"/>
-                </a:lnTo>
-                <a:lnTo>
-                  <a:pt x="4515661" y="5622925"/>
-                </a:lnTo>
-                <a:lnTo>
-                  <a:pt x="4525739" y="5675312"/>
-                </a:lnTo>
-                <a:lnTo>
-                  <a:pt x="4540854" y="5721350"/>
-                </a:lnTo>
-                <a:lnTo>
-                  <a:pt x="4559330" y="5762625"/>
-                </a:lnTo>
-                <a:lnTo>
-                  <a:pt x="4577806" y="5802312"/>
-                </a:lnTo>
-                <a:lnTo>
-                  <a:pt x="4597961" y="5840412"/>
-                </a:lnTo>
-                <a:lnTo>
-                  <a:pt x="4618116" y="5876925"/>
-                </a:lnTo>
-                <a:lnTo>
-                  <a:pt x="4638271" y="5915025"/>
-                </a:lnTo>
-                <a:lnTo>
-                  <a:pt x="4655067" y="5956300"/>
-                </a:lnTo>
-                <a:lnTo>
-                  <a:pt x="4670184" y="6003925"/>
-                </a:lnTo>
-                <a:lnTo>
-                  <a:pt x="4681941" y="6056312"/>
-                </a:lnTo>
-                <a:lnTo>
-                  <a:pt x="4690339" y="6113462"/>
-                </a:lnTo>
-                <a:lnTo>
-                  <a:pt x="4693698" y="6183312"/>
-                </a:lnTo>
-                <a:lnTo>
-                  <a:pt x="4690339" y="6251575"/>
-                </a:lnTo>
-                <a:lnTo>
-                  <a:pt x="4681941" y="6311900"/>
-                </a:lnTo>
-                <a:lnTo>
-                  <a:pt x="4670184" y="6361112"/>
-                </a:lnTo>
-                <a:lnTo>
-                  <a:pt x="4655067" y="6407150"/>
-                </a:lnTo>
-                <a:lnTo>
-                  <a:pt x="4638271" y="6448425"/>
-                </a:lnTo>
-                <a:lnTo>
-                  <a:pt x="4619796" y="6488112"/>
-                </a:lnTo>
-                <a:lnTo>
-                  <a:pt x="4601320" y="6523037"/>
-                </a:lnTo>
-                <a:lnTo>
-                  <a:pt x="4581165" y="6561137"/>
-                </a:lnTo>
-                <a:lnTo>
-                  <a:pt x="4561010" y="6597650"/>
-                </a:lnTo>
-                <a:lnTo>
-                  <a:pt x="4544214" y="6640512"/>
-                </a:lnTo>
-                <a:lnTo>
-                  <a:pt x="4527418" y="6683375"/>
-                </a:lnTo>
-                <a:lnTo>
-                  <a:pt x="4517340" y="6735762"/>
-                </a:lnTo>
-                <a:lnTo>
-                  <a:pt x="4508943" y="6791325"/>
-                </a:lnTo>
-                <a:lnTo>
-                  <a:pt x="4503903" y="6858000"/>
-                </a:lnTo>
-                <a:lnTo>
-                  <a:pt x="1582057" y="6858000"/>
-                </a:lnTo>
-                <a:lnTo>
-                  <a:pt x="420914" y="6858000"/>
-                </a:lnTo>
-                <a:lnTo>
-                  <a:pt x="0" y="6858000"/>
-                </a:lnTo>
-                <a:close/>
-              </a:path>
-            </a:pathLst>
-          </a:custGeom>
-          <a:solidFill>
-            <a:schemeClr val="tx1"/>
-          </a:solidFill>
-          <a:ln w="0">
-            <a:noFill/>
-            <a:prstDash val="solid"/>
-            <a:round/>
-            <a:headEnd/>
-            <a:tailEnd/>
-          </a:ln>
-        </p:spPr>
-        <p:txBody>
-          <a:bodyPr wrap="square">
-            <a:noAutofit/>
-          </a:bodyPr>
-          <a:lstStyle/>
-          <a:p>
-            <a:endParaRPr lang="en-US" dirty="0"/>
-          </a:p>
-        </p:txBody>
-      </p:sp>
-      <p:sp>
-        <p:nvSpPr>
-          <p:cNvPr id="14" name="Freeform: Shape 13">
-            <a:extLst>
-              <a:ext uri="{FF2B5EF4-FFF2-40B4-BE49-F238E27FC236}">
-                <a16:creationId xmlns:a16="http://schemas.microsoft.com/office/drawing/2014/main" id="{4B9FAFB2-BEB5-4848-8018-BCAD99E2E1AA}"/>
-              </a:ext>
-              <a:ext uri="{C183D7F6-B498-43B3-948B-1728B52AA6E4}">
-                <adec:decorative xmlns:adec="http://schemas.microsoft.com/office/drawing/2017/decorative" val="1"/>
-              </a:ext>
-            </a:extLst>
-          </p:cNvPr>
-          <p:cNvSpPr>
-            <a:spLocks noGrp="1" noRot="1" noChangeAspect="1" noMove="1" noResize="1" noEditPoints="1" noAdjustHandles="1" noChangeArrowheads="1" noChangeShapeType="1" noTextEdit="1"/>
-          </p:cNvSpPr>
-          <p:nvPr>
-            <p:extLst>
-              <p:ext uri="{386F3935-93C4-4BCD-93E2-E3B085C9AB24}">
-                <p16:designElem xmlns:p16="http://schemas.microsoft.com/office/powerpoint/2015/main" val="1"/>
-              </p:ext>
-            </p:extLst>
-          </p:nvPr>
-        </p:nvSpPr>
-        <p:spPr>
-          <a:xfrm flipH="1">
-            <a:off x="0" y="0"/>
-            <a:ext cx="4838076" cy="6858000"/>
-          </a:xfrm>
-          <a:custGeom>
-            <a:avLst/>
-            <a:gdLst>
-              <a:gd name="connsiteX0" fmla="*/ 4838076 w 4838076"/>
-              <a:gd name="connsiteY0" fmla="*/ 0 h 6858000"/>
-              <a:gd name="connsiteX1" fmla="*/ 4417162 w 4838076"/>
-              <a:gd name="connsiteY1" fmla="*/ 0 h 6858000"/>
-              <a:gd name="connsiteX2" fmla="*/ 3459219 w 4838076"/>
-              <a:gd name="connsiteY2" fmla="*/ 0 h 6858000"/>
-              <a:gd name="connsiteX3" fmla="*/ 334174 w 4838076"/>
-              <a:gd name="connsiteY3" fmla="*/ 0 h 6858000"/>
-              <a:gd name="connsiteX4" fmla="*/ 334173 w 4838076"/>
-              <a:gd name="connsiteY4" fmla="*/ 0 h 6858000"/>
-              <a:gd name="connsiteX5" fmla="*/ 189795 w 4838076"/>
-              <a:gd name="connsiteY5" fmla="*/ 0 h 6858000"/>
-              <a:gd name="connsiteX6" fmla="*/ 184756 w 4838076"/>
-              <a:gd name="connsiteY6" fmla="*/ 66675 h 6858000"/>
-              <a:gd name="connsiteX7" fmla="*/ 176358 w 4838076"/>
-              <a:gd name="connsiteY7" fmla="*/ 122237 h 6858000"/>
-              <a:gd name="connsiteX8" fmla="*/ 166281 w 4838076"/>
-              <a:gd name="connsiteY8" fmla="*/ 174625 h 6858000"/>
-              <a:gd name="connsiteX9" fmla="*/ 149485 w 4838076"/>
-              <a:gd name="connsiteY9" fmla="*/ 217487 h 6858000"/>
-              <a:gd name="connsiteX10" fmla="*/ 132689 w 4838076"/>
-              <a:gd name="connsiteY10" fmla="*/ 260350 h 6858000"/>
-              <a:gd name="connsiteX11" fmla="*/ 112534 w 4838076"/>
-              <a:gd name="connsiteY11" fmla="*/ 296862 h 6858000"/>
-              <a:gd name="connsiteX12" fmla="*/ 92379 w 4838076"/>
-              <a:gd name="connsiteY12" fmla="*/ 334962 h 6858000"/>
-              <a:gd name="connsiteX13" fmla="*/ 73903 w 4838076"/>
-              <a:gd name="connsiteY13" fmla="*/ 369887 h 6858000"/>
-              <a:gd name="connsiteX14" fmla="*/ 55427 w 4838076"/>
-              <a:gd name="connsiteY14" fmla="*/ 409575 h 6858000"/>
-              <a:gd name="connsiteX15" fmla="*/ 38632 w 4838076"/>
-              <a:gd name="connsiteY15" fmla="*/ 450850 h 6858000"/>
-              <a:gd name="connsiteX16" fmla="*/ 23515 w 4838076"/>
-              <a:gd name="connsiteY16" fmla="*/ 496887 h 6858000"/>
-              <a:gd name="connsiteX17" fmla="*/ 11758 w 4838076"/>
-              <a:gd name="connsiteY17" fmla="*/ 546100 h 6858000"/>
-              <a:gd name="connsiteX18" fmla="*/ 3359 w 4838076"/>
-              <a:gd name="connsiteY18" fmla="*/ 606425 h 6858000"/>
-              <a:gd name="connsiteX19" fmla="*/ 0 w 4838076"/>
-              <a:gd name="connsiteY19" fmla="*/ 673100 h 6858000"/>
-              <a:gd name="connsiteX20" fmla="*/ 3359 w 4838076"/>
-              <a:gd name="connsiteY20" fmla="*/ 744537 h 6858000"/>
-              <a:gd name="connsiteX21" fmla="*/ 11758 w 4838076"/>
-              <a:gd name="connsiteY21" fmla="*/ 801687 h 6858000"/>
-              <a:gd name="connsiteX22" fmla="*/ 23515 w 4838076"/>
-              <a:gd name="connsiteY22" fmla="*/ 854075 h 6858000"/>
-              <a:gd name="connsiteX23" fmla="*/ 38632 w 4838076"/>
-              <a:gd name="connsiteY23" fmla="*/ 901700 h 6858000"/>
-              <a:gd name="connsiteX24" fmla="*/ 55427 w 4838076"/>
-              <a:gd name="connsiteY24" fmla="*/ 942975 h 6858000"/>
-              <a:gd name="connsiteX25" fmla="*/ 75583 w 4838076"/>
-              <a:gd name="connsiteY25" fmla="*/ 981075 h 6858000"/>
-              <a:gd name="connsiteX26" fmla="*/ 95738 w 4838076"/>
-              <a:gd name="connsiteY26" fmla="*/ 1017587 h 6858000"/>
-              <a:gd name="connsiteX27" fmla="*/ 115893 w 4838076"/>
-              <a:gd name="connsiteY27" fmla="*/ 1055687 h 6858000"/>
-              <a:gd name="connsiteX28" fmla="*/ 134368 w 4838076"/>
-              <a:gd name="connsiteY28" fmla="*/ 1095375 h 6858000"/>
-              <a:gd name="connsiteX29" fmla="*/ 152844 w 4838076"/>
-              <a:gd name="connsiteY29" fmla="*/ 1136650 h 6858000"/>
-              <a:gd name="connsiteX30" fmla="*/ 167960 w 4838076"/>
-              <a:gd name="connsiteY30" fmla="*/ 1182687 h 6858000"/>
-              <a:gd name="connsiteX31" fmla="*/ 178038 w 4838076"/>
-              <a:gd name="connsiteY31" fmla="*/ 1235075 h 6858000"/>
-              <a:gd name="connsiteX32" fmla="*/ 188115 w 4838076"/>
-              <a:gd name="connsiteY32" fmla="*/ 1295400 h 6858000"/>
-              <a:gd name="connsiteX33" fmla="*/ 189795 w 4838076"/>
-              <a:gd name="connsiteY33" fmla="*/ 1363662 h 6858000"/>
-              <a:gd name="connsiteX34" fmla="*/ 188115 w 4838076"/>
-              <a:gd name="connsiteY34" fmla="*/ 1431925 h 6858000"/>
-              <a:gd name="connsiteX35" fmla="*/ 178038 w 4838076"/>
-              <a:gd name="connsiteY35" fmla="*/ 1492250 h 6858000"/>
-              <a:gd name="connsiteX36" fmla="*/ 167960 w 4838076"/>
-              <a:gd name="connsiteY36" fmla="*/ 1544637 h 6858000"/>
-              <a:gd name="connsiteX37" fmla="*/ 152844 w 4838076"/>
-              <a:gd name="connsiteY37" fmla="*/ 1589087 h 6858000"/>
-              <a:gd name="connsiteX38" fmla="*/ 134368 w 4838076"/>
-              <a:gd name="connsiteY38" fmla="*/ 1631950 h 6858000"/>
-              <a:gd name="connsiteX39" fmla="*/ 115893 w 4838076"/>
-              <a:gd name="connsiteY39" fmla="*/ 1671637 h 6858000"/>
-              <a:gd name="connsiteX40" fmla="*/ 95738 w 4838076"/>
-              <a:gd name="connsiteY40" fmla="*/ 1708150 h 6858000"/>
-              <a:gd name="connsiteX41" fmla="*/ 75583 w 4838076"/>
-              <a:gd name="connsiteY41" fmla="*/ 1743075 h 6858000"/>
-              <a:gd name="connsiteX42" fmla="*/ 55427 w 4838076"/>
-              <a:gd name="connsiteY42" fmla="*/ 1782762 h 6858000"/>
-              <a:gd name="connsiteX43" fmla="*/ 38632 w 4838076"/>
-              <a:gd name="connsiteY43" fmla="*/ 1824037 h 6858000"/>
-              <a:gd name="connsiteX44" fmla="*/ 23515 w 4838076"/>
-              <a:gd name="connsiteY44" fmla="*/ 1870075 h 6858000"/>
-              <a:gd name="connsiteX45" fmla="*/ 11758 w 4838076"/>
-              <a:gd name="connsiteY45" fmla="*/ 1922462 h 6858000"/>
-              <a:gd name="connsiteX46" fmla="*/ 3359 w 4838076"/>
-              <a:gd name="connsiteY46" fmla="*/ 1982787 h 6858000"/>
-              <a:gd name="connsiteX47" fmla="*/ 0 w 4838076"/>
-              <a:gd name="connsiteY47" fmla="*/ 2051050 h 6858000"/>
-              <a:gd name="connsiteX48" fmla="*/ 3359 w 4838076"/>
-              <a:gd name="connsiteY48" fmla="*/ 2119312 h 6858000"/>
-              <a:gd name="connsiteX49" fmla="*/ 11758 w 4838076"/>
-              <a:gd name="connsiteY49" fmla="*/ 2179637 h 6858000"/>
-              <a:gd name="connsiteX50" fmla="*/ 23515 w 4838076"/>
-              <a:gd name="connsiteY50" fmla="*/ 2232025 h 6858000"/>
-              <a:gd name="connsiteX51" fmla="*/ 38632 w 4838076"/>
-              <a:gd name="connsiteY51" fmla="*/ 2278062 h 6858000"/>
-              <a:gd name="connsiteX52" fmla="*/ 55427 w 4838076"/>
-              <a:gd name="connsiteY52" fmla="*/ 2319337 h 6858000"/>
-              <a:gd name="connsiteX53" fmla="*/ 75583 w 4838076"/>
-              <a:gd name="connsiteY53" fmla="*/ 2359025 h 6858000"/>
-              <a:gd name="connsiteX54" fmla="*/ 95738 w 4838076"/>
-              <a:gd name="connsiteY54" fmla="*/ 2395537 h 6858000"/>
-              <a:gd name="connsiteX55" fmla="*/ 115893 w 4838076"/>
-              <a:gd name="connsiteY55" fmla="*/ 2433637 h 6858000"/>
-              <a:gd name="connsiteX56" fmla="*/ 134368 w 4838076"/>
-              <a:gd name="connsiteY56" fmla="*/ 2471737 h 6858000"/>
-              <a:gd name="connsiteX57" fmla="*/ 152844 w 4838076"/>
-              <a:gd name="connsiteY57" fmla="*/ 2513012 h 6858000"/>
-              <a:gd name="connsiteX58" fmla="*/ 167960 w 4838076"/>
-              <a:gd name="connsiteY58" fmla="*/ 2560637 h 6858000"/>
-              <a:gd name="connsiteX59" fmla="*/ 178038 w 4838076"/>
-              <a:gd name="connsiteY59" fmla="*/ 2613025 h 6858000"/>
-              <a:gd name="connsiteX60" fmla="*/ 188115 w 4838076"/>
-              <a:gd name="connsiteY60" fmla="*/ 2671762 h 6858000"/>
-              <a:gd name="connsiteX61" fmla="*/ 189795 w 4838076"/>
-              <a:gd name="connsiteY61" fmla="*/ 2741612 h 6858000"/>
-              <a:gd name="connsiteX62" fmla="*/ 188115 w 4838076"/>
-              <a:gd name="connsiteY62" fmla="*/ 2809875 h 6858000"/>
-              <a:gd name="connsiteX63" fmla="*/ 178038 w 4838076"/>
-              <a:gd name="connsiteY63" fmla="*/ 2868612 h 6858000"/>
-              <a:gd name="connsiteX64" fmla="*/ 167960 w 4838076"/>
-              <a:gd name="connsiteY64" fmla="*/ 2922587 h 6858000"/>
-              <a:gd name="connsiteX65" fmla="*/ 152844 w 4838076"/>
-              <a:gd name="connsiteY65" fmla="*/ 2967037 h 6858000"/>
-              <a:gd name="connsiteX66" fmla="*/ 134368 w 4838076"/>
-              <a:gd name="connsiteY66" fmla="*/ 3009900 h 6858000"/>
-              <a:gd name="connsiteX67" fmla="*/ 115893 w 4838076"/>
-              <a:gd name="connsiteY67" fmla="*/ 3046412 h 6858000"/>
-              <a:gd name="connsiteX68" fmla="*/ 95738 w 4838076"/>
-              <a:gd name="connsiteY68" fmla="*/ 3084512 h 6858000"/>
-              <a:gd name="connsiteX69" fmla="*/ 75583 w 4838076"/>
-              <a:gd name="connsiteY69" fmla="*/ 3121025 h 6858000"/>
-              <a:gd name="connsiteX70" fmla="*/ 55427 w 4838076"/>
-              <a:gd name="connsiteY70" fmla="*/ 3160712 h 6858000"/>
-              <a:gd name="connsiteX71" fmla="*/ 38632 w 4838076"/>
-              <a:gd name="connsiteY71" fmla="*/ 3201987 h 6858000"/>
-              <a:gd name="connsiteX72" fmla="*/ 23515 w 4838076"/>
-              <a:gd name="connsiteY72" fmla="*/ 3248025 h 6858000"/>
-              <a:gd name="connsiteX73" fmla="*/ 11758 w 4838076"/>
-              <a:gd name="connsiteY73" fmla="*/ 3300412 h 6858000"/>
-              <a:gd name="connsiteX74" fmla="*/ 3359 w 4838076"/>
-              <a:gd name="connsiteY74" fmla="*/ 3360737 h 6858000"/>
-              <a:gd name="connsiteX75" fmla="*/ 0 w 4838076"/>
-              <a:gd name="connsiteY75" fmla="*/ 3427412 h 6858000"/>
-              <a:gd name="connsiteX76" fmla="*/ 3359 w 4838076"/>
-              <a:gd name="connsiteY76" fmla="*/ 3497262 h 6858000"/>
-              <a:gd name="connsiteX77" fmla="*/ 11758 w 4838076"/>
-              <a:gd name="connsiteY77" fmla="*/ 3557587 h 6858000"/>
-              <a:gd name="connsiteX78" fmla="*/ 23515 w 4838076"/>
-              <a:gd name="connsiteY78" fmla="*/ 3609975 h 6858000"/>
-              <a:gd name="connsiteX79" fmla="*/ 38632 w 4838076"/>
-              <a:gd name="connsiteY79" fmla="*/ 3656012 h 6858000"/>
-              <a:gd name="connsiteX80" fmla="*/ 55427 w 4838076"/>
-              <a:gd name="connsiteY80" fmla="*/ 3697287 h 6858000"/>
-              <a:gd name="connsiteX81" fmla="*/ 75583 w 4838076"/>
-              <a:gd name="connsiteY81" fmla="*/ 3736975 h 6858000"/>
-              <a:gd name="connsiteX82" fmla="*/ 115893 w 4838076"/>
-              <a:gd name="connsiteY82" fmla="*/ 3811587 h 6858000"/>
-              <a:gd name="connsiteX83" fmla="*/ 134368 w 4838076"/>
-              <a:gd name="connsiteY83" fmla="*/ 3848100 h 6858000"/>
-              <a:gd name="connsiteX84" fmla="*/ 152844 w 4838076"/>
-              <a:gd name="connsiteY84" fmla="*/ 3890962 h 6858000"/>
-              <a:gd name="connsiteX85" fmla="*/ 167960 w 4838076"/>
-              <a:gd name="connsiteY85" fmla="*/ 3935412 h 6858000"/>
-              <a:gd name="connsiteX86" fmla="*/ 178038 w 4838076"/>
-              <a:gd name="connsiteY86" fmla="*/ 3987800 h 6858000"/>
-              <a:gd name="connsiteX87" fmla="*/ 188115 w 4838076"/>
-              <a:gd name="connsiteY87" fmla="*/ 4048125 h 6858000"/>
-              <a:gd name="connsiteX88" fmla="*/ 189795 w 4838076"/>
-              <a:gd name="connsiteY88" fmla="*/ 4116387 h 6858000"/>
-              <a:gd name="connsiteX89" fmla="*/ 188115 w 4838076"/>
-              <a:gd name="connsiteY89" fmla="*/ 4186237 h 6858000"/>
-              <a:gd name="connsiteX90" fmla="*/ 178038 w 4838076"/>
-              <a:gd name="connsiteY90" fmla="*/ 4244975 h 6858000"/>
-              <a:gd name="connsiteX91" fmla="*/ 167960 w 4838076"/>
-              <a:gd name="connsiteY91" fmla="*/ 4297362 h 6858000"/>
-              <a:gd name="connsiteX92" fmla="*/ 152844 w 4838076"/>
-              <a:gd name="connsiteY92" fmla="*/ 4343400 h 6858000"/>
-              <a:gd name="connsiteX93" fmla="*/ 134368 w 4838076"/>
-              <a:gd name="connsiteY93" fmla="*/ 4386262 h 6858000"/>
-              <a:gd name="connsiteX94" fmla="*/ 115893 w 4838076"/>
-              <a:gd name="connsiteY94" fmla="*/ 4424362 h 6858000"/>
-              <a:gd name="connsiteX95" fmla="*/ 75583 w 4838076"/>
-              <a:gd name="connsiteY95" fmla="*/ 4498975 h 6858000"/>
-              <a:gd name="connsiteX96" fmla="*/ 55427 w 4838076"/>
-              <a:gd name="connsiteY96" fmla="*/ 4537075 h 6858000"/>
-              <a:gd name="connsiteX97" fmla="*/ 38632 w 4838076"/>
-              <a:gd name="connsiteY97" fmla="*/ 4579937 h 6858000"/>
-              <a:gd name="connsiteX98" fmla="*/ 23515 w 4838076"/>
-              <a:gd name="connsiteY98" fmla="*/ 4625975 h 6858000"/>
-              <a:gd name="connsiteX99" fmla="*/ 11758 w 4838076"/>
-              <a:gd name="connsiteY99" fmla="*/ 4678362 h 6858000"/>
-              <a:gd name="connsiteX100" fmla="*/ 3359 w 4838076"/>
-              <a:gd name="connsiteY100" fmla="*/ 4738687 h 6858000"/>
-              <a:gd name="connsiteX101" fmla="*/ 0 w 4838076"/>
-              <a:gd name="connsiteY101" fmla="*/ 4806950 h 6858000"/>
-              <a:gd name="connsiteX102" fmla="*/ 3359 w 4838076"/>
-              <a:gd name="connsiteY102" fmla="*/ 4875212 h 6858000"/>
-              <a:gd name="connsiteX103" fmla="*/ 11758 w 4838076"/>
-              <a:gd name="connsiteY103" fmla="*/ 4935537 h 6858000"/>
-              <a:gd name="connsiteX104" fmla="*/ 23515 w 4838076"/>
-              <a:gd name="connsiteY104" fmla="*/ 4987925 h 6858000"/>
-              <a:gd name="connsiteX105" fmla="*/ 38632 w 4838076"/>
-              <a:gd name="connsiteY105" fmla="*/ 5033962 h 6858000"/>
-              <a:gd name="connsiteX106" fmla="*/ 55427 w 4838076"/>
-              <a:gd name="connsiteY106" fmla="*/ 5075237 h 6858000"/>
-              <a:gd name="connsiteX107" fmla="*/ 75583 w 4838076"/>
-              <a:gd name="connsiteY107" fmla="*/ 5114925 h 6858000"/>
-              <a:gd name="connsiteX108" fmla="*/ 95738 w 4838076"/>
-              <a:gd name="connsiteY108" fmla="*/ 5149850 h 6858000"/>
-              <a:gd name="connsiteX109" fmla="*/ 115893 w 4838076"/>
-              <a:gd name="connsiteY109" fmla="*/ 5186362 h 6858000"/>
-              <a:gd name="connsiteX110" fmla="*/ 134368 w 4838076"/>
-              <a:gd name="connsiteY110" fmla="*/ 5226050 h 6858000"/>
-              <a:gd name="connsiteX111" fmla="*/ 152844 w 4838076"/>
-              <a:gd name="connsiteY111" fmla="*/ 5268912 h 6858000"/>
-              <a:gd name="connsiteX112" fmla="*/ 167960 w 4838076"/>
-              <a:gd name="connsiteY112" fmla="*/ 5313362 h 6858000"/>
-              <a:gd name="connsiteX113" fmla="*/ 178038 w 4838076"/>
-              <a:gd name="connsiteY113" fmla="*/ 5365750 h 6858000"/>
-              <a:gd name="connsiteX114" fmla="*/ 188115 w 4838076"/>
-              <a:gd name="connsiteY114" fmla="*/ 5426075 h 6858000"/>
-              <a:gd name="connsiteX115" fmla="*/ 189795 w 4838076"/>
-              <a:gd name="connsiteY115" fmla="*/ 5494337 h 6858000"/>
-              <a:gd name="connsiteX116" fmla="*/ 188115 w 4838076"/>
-              <a:gd name="connsiteY116" fmla="*/ 5562600 h 6858000"/>
-              <a:gd name="connsiteX117" fmla="*/ 178038 w 4838076"/>
-              <a:gd name="connsiteY117" fmla="*/ 5622925 h 6858000"/>
-              <a:gd name="connsiteX118" fmla="*/ 167960 w 4838076"/>
-              <a:gd name="connsiteY118" fmla="*/ 5675312 h 6858000"/>
-              <a:gd name="connsiteX119" fmla="*/ 152844 w 4838076"/>
-              <a:gd name="connsiteY119" fmla="*/ 5721350 h 6858000"/>
-              <a:gd name="connsiteX120" fmla="*/ 134368 w 4838076"/>
-              <a:gd name="connsiteY120" fmla="*/ 5762625 h 6858000"/>
-              <a:gd name="connsiteX121" fmla="*/ 115893 w 4838076"/>
-              <a:gd name="connsiteY121" fmla="*/ 5802312 h 6858000"/>
-              <a:gd name="connsiteX122" fmla="*/ 95738 w 4838076"/>
-              <a:gd name="connsiteY122" fmla="*/ 5840412 h 6858000"/>
-              <a:gd name="connsiteX123" fmla="*/ 75583 w 4838076"/>
-              <a:gd name="connsiteY123" fmla="*/ 5876925 h 6858000"/>
-              <a:gd name="connsiteX124" fmla="*/ 55427 w 4838076"/>
-              <a:gd name="connsiteY124" fmla="*/ 5915025 h 6858000"/>
-              <a:gd name="connsiteX125" fmla="*/ 38632 w 4838076"/>
-              <a:gd name="connsiteY125" fmla="*/ 5956300 h 6858000"/>
-              <a:gd name="connsiteX126" fmla="*/ 23515 w 4838076"/>
-              <a:gd name="connsiteY126" fmla="*/ 6003925 h 6858000"/>
-              <a:gd name="connsiteX127" fmla="*/ 11758 w 4838076"/>
-              <a:gd name="connsiteY127" fmla="*/ 6056312 h 6858000"/>
-              <a:gd name="connsiteX128" fmla="*/ 3359 w 4838076"/>
-              <a:gd name="connsiteY128" fmla="*/ 6113462 h 6858000"/>
-              <a:gd name="connsiteX129" fmla="*/ 0 w 4838076"/>
-              <a:gd name="connsiteY129" fmla="*/ 6183312 h 6858000"/>
-              <a:gd name="connsiteX130" fmla="*/ 3359 w 4838076"/>
-              <a:gd name="connsiteY130" fmla="*/ 6251575 h 6858000"/>
-              <a:gd name="connsiteX131" fmla="*/ 11758 w 4838076"/>
-              <a:gd name="connsiteY131" fmla="*/ 6311900 h 6858000"/>
-              <a:gd name="connsiteX132" fmla="*/ 23515 w 4838076"/>
-              <a:gd name="connsiteY132" fmla="*/ 6361112 h 6858000"/>
-              <a:gd name="connsiteX133" fmla="*/ 38632 w 4838076"/>
-              <a:gd name="connsiteY133" fmla="*/ 6407150 h 6858000"/>
-              <a:gd name="connsiteX134" fmla="*/ 55427 w 4838076"/>
-              <a:gd name="connsiteY134" fmla="*/ 6448425 h 6858000"/>
-              <a:gd name="connsiteX135" fmla="*/ 73903 w 4838076"/>
-              <a:gd name="connsiteY135" fmla="*/ 6488112 h 6858000"/>
-              <a:gd name="connsiteX136" fmla="*/ 92379 w 4838076"/>
-              <a:gd name="connsiteY136" fmla="*/ 6523037 h 6858000"/>
-              <a:gd name="connsiteX137" fmla="*/ 112534 w 4838076"/>
-              <a:gd name="connsiteY137" fmla="*/ 6561137 h 6858000"/>
-              <a:gd name="connsiteX138" fmla="*/ 132689 w 4838076"/>
-              <a:gd name="connsiteY138" fmla="*/ 6597650 h 6858000"/>
-              <a:gd name="connsiteX139" fmla="*/ 149485 w 4838076"/>
-              <a:gd name="connsiteY139" fmla="*/ 6640512 h 6858000"/>
-              <a:gd name="connsiteX140" fmla="*/ 166281 w 4838076"/>
-              <a:gd name="connsiteY140" fmla="*/ 6683375 h 6858000"/>
-              <a:gd name="connsiteX141" fmla="*/ 176358 w 4838076"/>
-              <a:gd name="connsiteY141" fmla="*/ 6735762 h 6858000"/>
-              <a:gd name="connsiteX142" fmla="*/ 184756 w 4838076"/>
-              <a:gd name="connsiteY142" fmla="*/ 6791325 h 6858000"/>
-              <a:gd name="connsiteX143" fmla="*/ 189795 w 4838076"/>
-              <a:gd name="connsiteY143" fmla="*/ 6858000 h 6858000"/>
-              <a:gd name="connsiteX144" fmla="*/ 334173 w 4838076"/>
-              <a:gd name="connsiteY144" fmla="*/ 6858000 h 6858000"/>
-              <a:gd name="connsiteX145" fmla="*/ 334174 w 4838076"/>
-              <a:gd name="connsiteY145" fmla="*/ 6858000 h 6858000"/>
-              <a:gd name="connsiteX146" fmla="*/ 3459219 w 4838076"/>
-              <a:gd name="connsiteY146" fmla="*/ 6858000 h 6858000"/>
-              <a:gd name="connsiteX147" fmla="*/ 4417162 w 4838076"/>
-              <a:gd name="connsiteY147" fmla="*/ 6858000 h 6858000"/>
-              <a:gd name="connsiteX148" fmla="*/ 4838076 w 4838076"/>
-              <a:gd name="connsiteY148" fmla="*/ 6858000 h 6858000"/>
-            </a:gdLst>
-            <a:ahLst/>
-            <a:cxnLst>
-              <a:cxn ang="0">
-                <a:pos x="connsiteX0" y="connsiteY0"/>
-              </a:cxn>
-              <a:cxn ang="0">
-                <a:pos x="connsiteX1" y="connsiteY1"/>
-              </a:cxn>
-              <a:cxn ang="0">
-                <a:pos x="connsiteX2" y="connsiteY2"/>
-              </a:cxn>
-              <a:cxn ang="0">
-                <a:pos x="connsiteX3" y="connsiteY3"/>
-              </a:cxn>
-              <a:cxn ang="0">
-                <a:pos x="connsiteX4" y="connsiteY4"/>
-              </a:cxn>
-              <a:cxn ang="0">
-                <a:pos x="connsiteX5" y="connsiteY5"/>
-              </a:cxn>
-              <a:cxn ang="0">
-                <a:pos x="connsiteX6" y="connsiteY6"/>
-              </a:cxn>
-              <a:cxn ang="0">
-                <a:pos x="connsiteX7" y="connsiteY7"/>
-              </a:cxn>
-              <a:cxn ang="0">
-                <a:pos x="connsiteX8" y="connsiteY8"/>
-              </a:cxn>
-              <a:cxn ang="0">
-                <a:pos x="connsiteX9" y="connsiteY9"/>
-              </a:cxn>
-              <a:cxn ang="0">
-                <a:pos x="connsiteX10" y="connsiteY10"/>
-              </a:cxn>
-              <a:cxn ang="0">
-                <a:pos x="connsiteX11" y="connsiteY11"/>
-              </a:cxn>
-              <a:cxn ang="0">
-                <a:pos x="connsiteX12" y="connsiteY12"/>
-              </a:cxn>
-              <a:cxn ang="0">
-                <a:pos x="connsiteX13" y="connsiteY13"/>
-              </a:cxn>
-              <a:cxn ang="0">
-                <a:pos x="connsiteX14" y="connsiteY14"/>
-              </a:cxn>
-              <a:cxn ang="0">
-                <a:pos x="connsiteX15" y="connsiteY15"/>
-              </a:cxn>
-              <a:cxn ang="0">
-                <a:pos x="connsiteX16" y="connsiteY16"/>
-              </a:cxn>
-              <a:cxn ang="0">
-                <a:pos x="connsiteX17" y="connsiteY17"/>
-              </a:cxn>
-              <a:cxn ang="0">
-                <a:pos x="connsiteX18" y="connsiteY18"/>
-              </a:cxn>
-              <a:cxn ang="0">
-                <a:pos x="connsiteX19" y="connsiteY19"/>
-              </a:cxn>
-              <a:cxn ang="0">
-                <a:pos x="connsiteX20" y="connsiteY20"/>
-              </a:cxn>
-              <a:cxn ang="0">
-                <a:pos x="connsiteX21" y="connsiteY21"/>
-              </a:cxn>
-              <a:cxn ang="0">
-                <a:pos x="connsiteX22" y="connsiteY22"/>
-              </a:cxn>
-              <a:cxn ang="0">
-                <a:pos x="connsiteX23" y="connsiteY23"/>
-              </a:cxn>
-              <a:cxn ang="0">
-                <a:pos x="connsiteX24" y="connsiteY24"/>
-              </a:cxn>
-              <a:cxn ang="0">
-                <a:pos x="connsiteX25" y="connsiteY25"/>
-              </a:cxn>
-              <a:cxn ang="0">
-                <a:pos x="connsiteX26" y="connsiteY26"/>
-              </a:cxn>
-              <a:cxn ang="0">
-                <a:pos x="connsiteX27" y="connsiteY27"/>
-              </a:cxn>
-              <a:cxn ang="0">
-                <a:pos x="connsiteX28" y="connsiteY28"/>
-              </a:cxn>
-              <a:cxn ang="0">
-                <a:pos x="connsiteX29" y="connsiteY29"/>
-              </a:cxn>
-              <a:cxn ang="0">
-                <a:pos x="connsiteX30" y="connsiteY30"/>
-              </a:cxn>
-              <a:cxn ang="0">
-                <a:pos x="connsiteX31" y="connsiteY31"/>
-              </a:cxn>
-              <a:cxn ang="0">
-                <a:pos x="connsiteX32" y="connsiteY32"/>
-              </a:cxn>
-              <a:cxn ang="0">
-                <a:pos x="connsiteX33" y="connsiteY33"/>
-              </a:cxn>
-              <a:cxn ang="0">
-                <a:pos x="connsiteX34" y="connsiteY34"/>
-              </a:cxn>
-              <a:cxn ang="0">
-                <a:pos x="connsiteX35" y="connsiteY35"/>
-              </a:cxn>
-              <a:cxn ang="0">
-                <a:pos x="connsiteX36" y="connsiteY36"/>
-              </a:cxn>
-              <a:cxn ang="0">
-                <a:pos x="connsiteX37" y="connsiteY37"/>
-              </a:cxn>
-              <a:cxn ang="0">
-                <a:pos x="connsiteX38" y="connsiteY38"/>
-              </a:cxn>
-              <a:cxn ang="0">
-                <a:pos x="connsiteX39" y="connsiteY39"/>
-              </a:cxn>
-              <a:cxn ang="0">
-                <a:pos x="connsiteX40" y="connsiteY40"/>
-              </a:cxn>
-              <a:cxn ang="0">
-                <a:pos x="connsiteX41" y="connsiteY41"/>
-              </a:cxn>
-              <a:cxn ang="0">
-                <a:pos x="connsiteX42" y="connsiteY42"/>
-              </a:cxn>
-              <a:cxn ang="0">
-                <a:pos x="connsiteX43" y="connsiteY43"/>
-              </a:cxn>
-              <a:cxn ang="0">
-                <a:pos x="connsiteX44" y="connsiteY44"/>
-              </a:cxn>
-              <a:cxn ang="0">
-                <a:pos x="connsiteX45" y="connsiteY45"/>
-              </a:cxn>
-              <a:cxn ang="0">
-                <a:pos x="connsiteX46" y="connsiteY46"/>
-              </a:cxn>
-              <a:cxn ang="0">
-                <a:pos x="connsiteX47" y="connsiteY47"/>
-              </a:cxn>
-              <a:cxn ang="0">
-                <a:pos x="connsiteX48" y="connsiteY48"/>
-              </a:cxn>
-              <a:cxn ang="0">
-                <a:pos x="connsiteX49" y="connsiteY49"/>
-              </a:cxn>
-              <a:cxn ang="0">
-                <a:pos x="connsiteX50" y="connsiteY50"/>
-              </a:cxn>
-              <a:cxn ang="0">
-                <a:pos x="connsiteX51" y="connsiteY51"/>
-              </a:cxn>
-              <a:cxn ang="0">
-                <a:pos x="connsiteX52" y="connsiteY52"/>
-              </a:cxn>
-              <a:cxn ang="0">
-                <a:pos x="connsiteX53" y="connsiteY53"/>
-              </a:cxn>
-              <a:cxn ang="0">
-                <a:pos x="connsiteX54" y="connsiteY54"/>
-              </a:cxn>
-              <a:cxn ang="0">
-                <a:pos x="connsiteX55" y="connsiteY55"/>
-              </a:cxn>
-              <a:cxn ang="0">
-                <a:pos x="connsiteX56" y="connsiteY56"/>
-              </a:cxn>
-              <a:cxn ang="0">
-                <a:pos x="connsiteX57" y="connsiteY57"/>
-              </a:cxn>
-              <a:cxn ang="0">
-                <a:pos x="connsiteX58" y="connsiteY58"/>
-              </a:cxn>
-              <a:cxn ang="0">
-                <a:pos x="connsiteX59" y="connsiteY59"/>
-              </a:cxn>
-              <a:cxn ang="0">
-                <a:pos x="connsiteX60" y="connsiteY60"/>
-              </a:cxn>
-              <a:cxn ang="0">
-                <a:pos x="connsiteX61" y="connsiteY61"/>
-              </a:cxn>
-              <a:cxn ang="0">
-                <a:pos x="connsiteX62" y="connsiteY62"/>
-              </a:cxn>
-              <a:cxn ang="0">
-                <a:pos x="connsiteX63" y="connsiteY63"/>
-              </a:cxn>
-              <a:cxn ang="0">
-                <a:pos x="connsiteX64" y="connsiteY64"/>
-              </a:cxn>
-              <a:cxn ang="0">
-                <a:pos x="connsiteX65" y="connsiteY65"/>
-              </a:cxn>
-              <a:cxn ang="0">
-                <a:pos x="connsiteX66" y="connsiteY66"/>
-              </a:cxn>
-              <a:cxn ang="0">
-                <a:pos x="connsiteX67" y="connsiteY67"/>
-              </a:cxn>
-              <a:cxn ang="0">
-                <a:pos x="connsiteX68" y="connsiteY68"/>
-              </a:cxn>
-              <a:cxn ang="0">
-                <a:pos x="connsiteX69" y="connsiteY69"/>
-              </a:cxn>
-              <a:cxn ang="0">
-                <a:pos x="connsiteX70" y="connsiteY70"/>
-              </a:cxn>
-              <a:cxn ang="0">
-                <a:pos x="connsiteX71" y="connsiteY71"/>
-              </a:cxn>
-              <a:cxn ang="0">
-                <a:pos x="connsiteX72" y="connsiteY72"/>
-              </a:cxn>
-              <a:cxn ang="0">
-                <a:pos x="connsiteX73" y="connsiteY73"/>
-              </a:cxn>
-              <a:cxn ang="0">
-                <a:pos x="connsiteX74" y="connsiteY74"/>
-              </a:cxn>
-              <a:cxn ang="0">
-                <a:pos x="connsiteX75" y="connsiteY75"/>
-              </a:cxn>
-              <a:cxn ang="0">
-                <a:pos x="connsiteX76" y="connsiteY76"/>
-              </a:cxn>
-              <a:cxn ang="0">
-                <a:pos x="connsiteX77" y="connsiteY77"/>
-              </a:cxn>
-              <a:cxn ang="0">
-                <a:pos x="connsiteX78" y="connsiteY78"/>
-              </a:cxn>
-              <a:cxn ang="0">
-                <a:pos x="connsiteX79" y="connsiteY79"/>
-              </a:cxn>
-              <a:cxn ang="0">
-                <a:pos x="connsiteX80" y="connsiteY80"/>
-              </a:cxn>
-              <a:cxn ang="0">
-                <a:pos x="connsiteX81" y="connsiteY81"/>
-              </a:cxn>
-              <a:cxn ang="0">
-                <a:pos x="connsiteX82" y="connsiteY82"/>
-              </a:cxn>
-              <a:cxn ang="0">
-                <a:pos x="connsiteX83" y="connsiteY83"/>
-              </a:cxn>
-              <a:cxn ang="0">
-                <a:pos x="connsiteX84" y="connsiteY84"/>
-              </a:cxn>
-              <a:cxn ang="0">
-                <a:pos x="connsiteX85" y="connsiteY85"/>
-              </a:cxn>
-              <a:cxn ang="0">
-                <a:pos x="connsiteX86" y="connsiteY86"/>
-              </a:cxn>
-              <a:cxn ang="0">
-                <a:pos x="connsiteX87" y="connsiteY87"/>
-              </a:cxn>
-              <a:cxn ang="0">
-                <a:pos x="connsiteX88" y="connsiteY88"/>
-              </a:cxn>
-              <a:cxn ang="0">
-                <a:pos x="connsiteX89" y="connsiteY89"/>
-              </a:cxn>
-              <a:cxn ang="0">
-                <a:pos x="connsiteX90" y="connsiteY90"/>
-              </a:cxn>
-              <a:cxn ang="0">
-                <a:pos x="connsiteX91" y="connsiteY91"/>
-              </a:cxn>
-              <a:cxn ang="0">
-                <a:pos x="connsiteX92" y="connsiteY92"/>
-              </a:cxn>
-              <a:cxn ang="0">
-                <a:pos x="connsiteX93" y="connsiteY93"/>
-              </a:cxn>
-              <a:cxn ang="0">
-                <a:pos x="connsiteX94" y="connsiteY94"/>
-              </a:cxn>
-              <a:cxn ang="0">
-                <a:pos x="connsiteX95" y="connsiteY95"/>
-              </a:cxn>
-              <a:cxn ang="0">
-                <a:pos x="connsiteX96" y="connsiteY96"/>
-              </a:cxn>
-              <a:cxn ang="0">
-                <a:pos x="connsiteX97" y="connsiteY97"/>
-              </a:cxn>
-              <a:cxn ang="0">
-                <a:pos x="connsiteX98" y="connsiteY98"/>
-              </a:cxn>
-              <a:cxn ang="0">
-                <a:pos x="connsiteX99" y="connsiteY99"/>
-              </a:cxn>
-              <a:cxn ang="0">
-                <a:pos x="connsiteX100" y="connsiteY100"/>
-              </a:cxn>
-              <a:cxn ang="0">
-                <a:pos x="connsiteX101" y="connsiteY101"/>
-              </a:cxn>
-              <a:cxn ang="0">
-                <a:pos x="connsiteX102" y="connsiteY102"/>
-              </a:cxn>
-              <a:cxn ang="0">
-                <a:pos x="connsiteX103" y="connsiteY103"/>
-              </a:cxn>
-              <a:cxn ang="0">
-                <a:pos x="connsiteX104" y="connsiteY104"/>
-              </a:cxn>
-              <a:cxn ang="0">
-                <a:pos x="connsiteX105" y="connsiteY105"/>
-              </a:cxn>
-              <a:cxn ang="0">
-                <a:pos x="connsiteX106" y="connsiteY106"/>
-              </a:cxn>
-              <a:cxn ang="0">
-                <a:pos x="connsiteX107" y="connsiteY107"/>
-              </a:cxn>
-              <a:cxn ang="0">
-                <a:pos x="connsiteX108" y="connsiteY108"/>
-              </a:cxn>
-              <a:cxn ang="0">
-                <a:pos x="connsiteX109" y="connsiteY109"/>
-              </a:cxn>
-              <a:cxn ang="0">
-                <a:pos x="connsiteX110" y="connsiteY110"/>
-              </a:cxn>
-              <a:cxn ang="0">
-                <a:pos x="connsiteX111" y="connsiteY111"/>
-              </a:cxn>
-              <a:cxn ang="0">
-                <a:pos x="connsiteX112" y="connsiteY112"/>
-              </a:cxn>
-              <a:cxn ang="0">
-                <a:pos x="connsiteX113" y="connsiteY113"/>
-              </a:cxn>
-              <a:cxn ang="0">
-                <a:pos x="connsiteX114" y="connsiteY114"/>
-              </a:cxn>
-              <a:cxn ang="0">
-                <a:pos x="connsiteX115" y="connsiteY115"/>
-              </a:cxn>
-              <a:cxn ang="0">
-                <a:pos x="connsiteX116" y="connsiteY116"/>
-              </a:cxn>
-              <a:cxn ang="0">
-                <a:pos x="connsiteX117" y="connsiteY117"/>
-              </a:cxn>
-              <a:cxn ang="0">
-                <a:pos x="connsiteX118" y="connsiteY118"/>
-              </a:cxn>
-              <a:cxn ang="0">
-                <a:pos x="connsiteX119" y="connsiteY119"/>
-              </a:cxn>
-              <a:cxn ang="0">
-                <a:pos x="connsiteX120" y="connsiteY120"/>
-              </a:cxn>
-              <a:cxn ang="0">
-                <a:pos x="connsiteX121" y="connsiteY121"/>
-              </a:cxn>
-              <a:cxn ang="0">
-                <a:pos x="connsiteX122" y="connsiteY122"/>
-              </a:cxn>
-              <a:cxn ang="0">
-                <a:pos x="connsiteX123" y="connsiteY123"/>
-              </a:cxn>
-              <a:cxn ang="0">
-                <a:pos x="connsiteX124" y="connsiteY124"/>
-              </a:cxn>
-              <a:cxn ang="0">
-                <a:pos x="connsiteX125" y="connsiteY125"/>
-              </a:cxn>
-              <a:cxn ang="0">
-                <a:pos x="connsiteX126" y="connsiteY126"/>
-              </a:cxn>
-              <a:cxn ang="0">
-                <a:pos x="connsiteX127" y="connsiteY127"/>
-              </a:cxn>
-              <a:cxn ang="0">
-                <a:pos x="connsiteX128" y="connsiteY128"/>
-              </a:cxn>
-              <a:cxn ang="0">
-                <a:pos x="connsiteX129" y="connsiteY129"/>
-              </a:cxn>
-              <a:cxn ang="0">
-                <a:pos x="connsiteX130" y="connsiteY130"/>
-              </a:cxn>
-              <a:cxn ang="0">
-                <a:pos x="connsiteX131" y="connsiteY131"/>
-              </a:cxn>
-              <a:cxn ang="0">
-                <a:pos x="connsiteX132" y="connsiteY132"/>
-              </a:cxn>
-              <a:cxn ang="0">
-                <a:pos x="connsiteX133" y="connsiteY133"/>
-              </a:cxn>
-              <a:cxn ang="0">
-                <a:pos x="connsiteX134" y="connsiteY134"/>
-              </a:cxn>
-              <a:cxn ang="0">
-                <a:pos x="connsiteX135" y="connsiteY135"/>
-              </a:cxn>
-              <a:cxn ang="0">
-                <a:pos x="connsiteX136" y="connsiteY136"/>
-              </a:cxn>
-              <a:cxn ang="0">
-                <a:pos x="connsiteX137" y="connsiteY137"/>
-              </a:cxn>
-              <a:cxn ang="0">
-                <a:pos x="connsiteX138" y="connsiteY138"/>
-              </a:cxn>
-              <a:cxn ang="0">
-                <a:pos x="connsiteX139" y="connsiteY139"/>
-              </a:cxn>
-              <a:cxn ang="0">
-                <a:pos x="connsiteX140" y="connsiteY140"/>
-              </a:cxn>
-              <a:cxn ang="0">
-                <a:pos x="connsiteX141" y="connsiteY141"/>
-              </a:cxn>
-              <a:cxn ang="0">
-                <a:pos x="connsiteX142" y="connsiteY142"/>
-              </a:cxn>
-              <a:cxn ang="0">
-                <a:pos x="connsiteX143" y="connsiteY143"/>
-              </a:cxn>
-              <a:cxn ang="0">
-                <a:pos x="connsiteX144" y="connsiteY144"/>
-              </a:cxn>
-              <a:cxn ang="0">
-                <a:pos x="connsiteX145" y="connsiteY145"/>
-              </a:cxn>
-              <a:cxn ang="0">
-                <a:pos x="connsiteX146" y="connsiteY146"/>
-              </a:cxn>
-              <a:cxn ang="0">
-                <a:pos x="connsiteX147" y="connsiteY147"/>
-              </a:cxn>
-              <a:cxn ang="0">
-                <a:pos x="connsiteX148" y="connsiteY148"/>
-              </a:cxn>
-            </a:cxnLst>
-            <a:rect l="l" t="t" r="r" b="b"/>
-            <a:pathLst>
-              <a:path w="4838076" h="6858000">
-                <a:moveTo>
-                  <a:pt x="4838076" y="0"/>
-                </a:moveTo>
-                <a:lnTo>
-                  <a:pt x="4417162" y="0"/>
-                </a:lnTo>
-                <a:lnTo>
-                  <a:pt x="3459219" y="0"/>
-                </a:lnTo>
-                <a:lnTo>
-                  <a:pt x="334174" y="0"/>
-                </a:lnTo>
-                <a:lnTo>
-                  <a:pt x="334173" y="0"/>
-                </a:lnTo>
-                <a:lnTo>
-                  <a:pt x="189795" y="0"/>
-                </a:lnTo>
-                <a:lnTo>
-                  <a:pt x="184756" y="66675"/>
-                </a:lnTo>
-                <a:lnTo>
-                  <a:pt x="176358" y="122237"/>
-                </a:lnTo>
-                <a:lnTo>
-                  <a:pt x="166281" y="174625"/>
-                </a:lnTo>
-                <a:lnTo>
-                  <a:pt x="149485" y="217487"/>
-                </a:lnTo>
-                <a:lnTo>
-                  <a:pt x="132689" y="260350"/>
-                </a:lnTo>
-                <a:lnTo>
-                  <a:pt x="112534" y="296862"/>
-                </a:lnTo>
-                <a:lnTo>
-                  <a:pt x="92379" y="334962"/>
-                </a:lnTo>
-                <a:lnTo>
-                  <a:pt x="73903" y="369887"/>
-                </a:lnTo>
-                <a:lnTo>
-                  <a:pt x="55427" y="409575"/>
-                </a:lnTo>
-                <a:lnTo>
-                  <a:pt x="38632" y="450850"/>
-                </a:lnTo>
-                <a:lnTo>
-                  <a:pt x="23515" y="496887"/>
-                </a:lnTo>
-                <a:lnTo>
-                  <a:pt x="11758" y="546100"/>
-                </a:lnTo>
-                <a:lnTo>
-                  <a:pt x="3359" y="606425"/>
-                </a:lnTo>
-                <a:lnTo>
-                  <a:pt x="0" y="673100"/>
-                </a:lnTo>
-                <a:lnTo>
-                  <a:pt x="3359" y="744537"/>
-                </a:lnTo>
-                <a:lnTo>
-                  <a:pt x="11758" y="801687"/>
-                </a:lnTo>
-                <a:lnTo>
-                  <a:pt x="23515" y="854075"/>
-                </a:lnTo>
-                <a:lnTo>
-                  <a:pt x="38632" y="901700"/>
-                </a:lnTo>
-                <a:lnTo>
-                  <a:pt x="55427" y="942975"/>
-                </a:lnTo>
-                <a:lnTo>
-                  <a:pt x="75583" y="981075"/>
-                </a:lnTo>
-                <a:lnTo>
-                  <a:pt x="95738" y="1017587"/>
-                </a:lnTo>
-                <a:lnTo>
-                  <a:pt x="115893" y="1055687"/>
-                </a:lnTo>
-                <a:lnTo>
-                  <a:pt x="134368" y="1095375"/>
-                </a:lnTo>
-                <a:lnTo>
-                  <a:pt x="152844" y="1136650"/>
-                </a:lnTo>
-                <a:lnTo>
-                  <a:pt x="167960" y="1182687"/>
-                </a:lnTo>
-                <a:lnTo>
-                  <a:pt x="178038" y="1235075"/>
-                </a:lnTo>
-                <a:lnTo>
-                  <a:pt x="188115" y="1295400"/>
-                </a:lnTo>
-                <a:lnTo>
-                  <a:pt x="189795" y="1363662"/>
-                </a:lnTo>
-                <a:lnTo>
-                  <a:pt x="188115" y="1431925"/>
-                </a:lnTo>
-                <a:lnTo>
-                  <a:pt x="178038" y="1492250"/>
-                </a:lnTo>
-                <a:lnTo>
-                  <a:pt x="167960" y="1544637"/>
-                </a:lnTo>
-                <a:lnTo>
-                  <a:pt x="152844" y="1589087"/>
-                </a:lnTo>
-                <a:lnTo>
-                  <a:pt x="134368" y="1631950"/>
-                </a:lnTo>
-                <a:lnTo>
-                  <a:pt x="115893" y="1671637"/>
-                </a:lnTo>
-                <a:lnTo>
-                  <a:pt x="95738" y="1708150"/>
-                </a:lnTo>
-                <a:lnTo>
-                  <a:pt x="75583" y="1743075"/>
-                </a:lnTo>
-                <a:lnTo>
-                  <a:pt x="55427" y="1782762"/>
-                </a:lnTo>
-                <a:lnTo>
-                  <a:pt x="38632" y="1824037"/>
-                </a:lnTo>
-                <a:lnTo>
-                  <a:pt x="23515" y="1870075"/>
-                </a:lnTo>
-                <a:lnTo>
-                  <a:pt x="11758" y="1922462"/>
-                </a:lnTo>
-                <a:lnTo>
-                  <a:pt x="3359" y="1982787"/>
-                </a:lnTo>
-                <a:lnTo>
-                  <a:pt x="0" y="2051050"/>
-                </a:lnTo>
-                <a:lnTo>
-                  <a:pt x="3359" y="2119312"/>
-                </a:lnTo>
-                <a:lnTo>
-                  <a:pt x="11758" y="2179637"/>
-                </a:lnTo>
-                <a:lnTo>
-                  <a:pt x="23515" y="2232025"/>
-                </a:lnTo>
-                <a:lnTo>
-                  <a:pt x="38632" y="2278062"/>
-                </a:lnTo>
-                <a:lnTo>
-                  <a:pt x="55427" y="2319337"/>
-                </a:lnTo>
-                <a:lnTo>
-                  <a:pt x="75583" y="2359025"/>
-                </a:lnTo>
-                <a:lnTo>
-                  <a:pt x="95738" y="2395537"/>
-                </a:lnTo>
-                <a:lnTo>
-                  <a:pt x="115893" y="2433637"/>
-                </a:lnTo>
-                <a:lnTo>
-                  <a:pt x="134368" y="2471737"/>
-                </a:lnTo>
-                <a:lnTo>
-                  <a:pt x="152844" y="2513012"/>
-                </a:lnTo>
-                <a:lnTo>
-                  <a:pt x="167960" y="2560637"/>
-                </a:lnTo>
-                <a:lnTo>
-                  <a:pt x="178038" y="2613025"/>
-                </a:lnTo>
-                <a:lnTo>
-                  <a:pt x="188115" y="2671762"/>
-                </a:lnTo>
-                <a:lnTo>
-                  <a:pt x="189795" y="2741612"/>
-                </a:lnTo>
-                <a:lnTo>
-                  <a:pt x="188115" y="2809875"/>
-                </a:lnTo>
-                <a:lnTo>
-                  <a:pt x="178038" y="2868612"/>
-                </a:lnTo>
-                <a:lnTo>
-                  <a:pt x="167960" y="2922587"/>
-                </a:lnTo>
-                <a:lnTo>
-                  <a:pt x="152844" y="2967037"/>
-                </a:lnTo>
-                <a:lnTo>
-                  <a:pt x="134368" y="3009900"/>
-                </a:lnTo>
-                <a:lnTo>
-                  <a:pt x="115893" y="3046412"/>
-                </a:lnTo>
-                <a:lnTo>
-                  <a:pt x="95738" y="3084512"/>
-                </a:lnTo>
-                <a:lnTo>
-                  <a:pt x="75583" y="3121025"/>
-                </a:lnTo>
-                <a:lnTo>
-                  <a:pt x="55427" y="3160712"/>
-                </a:lnTo>
-                <a:lnTo>
-                  <a:pt x="38632" y="3201987"/>
-                </a:lnTo>
-                <a:lnTo>
-                  <a:pt x="23515" y="3248025"/>
-                </a:lnTo>
-                <a:lnTo>
-                  <a:pt x="11758" y="3300412"/>
-                </a:lnTo>
-                <a:lnTo>
-                  <a:pt x="3359" y="3360737"/>
-                </a:lnTo>
-                <a:lnTo>
-                  <a:pt x="0" y="3427412"/>
-                </a:lnTo>
-                <a:lnTo>
-                  <a:pt x="3359" y="3497262"/>
-                </a:lnTo>
-                <a:lnTo>
-                  <a:pt x="11758" y="3557587"/>
-                </a:lnTo>
-                <a:lnTo>
-                  <a:pt x="23515" y="3609975"/>
-                </a:lnTo>
-                <a:lnTo>
-                  <a:pt x="38632" y="3656012"/>
-                </a:lnTo>
-                <a:lnTo>
-                  <a:pt x="55427" y="3697287"/>
-                </a:lnTo>
-                <a:lnTo>
-                  <a:pt x="75583" y="3736975"/>
-                </a:lnTo>
-                <a:lnTo>
-                  <a:pt x="115893" y="3811587"/>
-                </a:lnTo>
-                <a:lnTo>
-                  <a:pt x="134368" y="3848100"/>
-                </a:lnTo>
-                <a:lnTo>
-                  <a:pt x="152844" y="3890962"/>
-                </a:lnTo>
-                <a:lnTo>
-                  <a:pt x="167960" y="3935412"/>
-                </a:lnTo>
-                <a:lnTo>
-                  <a:pt x="178038" y="3987800"/>
-                </a:lnTo>
-                <a:lnTo>
-                  <a:pt x="188115" y="4048125"/>
-                </a:lnTo>
-                <a:lnTo>
-                  <a:pt x="189795" y="4116387"/>
-                </a:lnTo>
-                <a:lnTo>
-                  <a:pt x="188115" y="4186237"/>
-                </a:lnTo>
-                <a:lnTo>
-                  <a:pt x="178038" y="4244975"/>
-                </a:lnTo>
-                <a:lnTo>
-                  <a:pt x="167960" y="4297362"/>
-                </a:lnTo>
-                <a:lnTo>
-                  <a:pt x="152844" y="4343400"/>
-                </a:lnTo>
-                <a:lnTo>
-                  <a:pt x="134368" y="4386262"/>
-                </a:lnTo>
-                <a:lnTo>
-                  <a:pt x="115893" y="4424362"/>
-                </a:lnTo>
-                <a:lnTo>
-                  <a:pt x="75583" y="4498975"/>
-                </a:lnTo>
-                <a:lnTo>
-                  <a:pt x="55427" y="4537075"/>
-                </a:lnTo>
-                <a:lnTo>
-                  <a:pt x="38632" y="4579937"/>
-                </a:lnTo>
-                <a:lnTo>
-                  <a:pt x="23515" y="4625975"/>
-                </a:lnTo>
-                <a:lnTo>
-                  <a:pt x="11758" y="4678362"/>
-                </a:lnTo>
-                <a:lnTo>
-                  <a:pt x="3359" y="4738687"/>
-                </a:lnTo>
-                <a:lnTo>
-                  <a:pt x="0" y="4806950"/>
-                </a:lnTo>
-                <a:lnTo>
-                  <a:pt x="3359" y="4875212"/>
-                </a:lnTo>
-                <a:lnTo>
-                  <a:pt x="11758" y="4935537"/>
-                </a:lnTo>
-                <a:lnTo>
-                  <a:pt x="23515" y="4987925"/>
-                </a:lnTo>
-                <a:lnTo>
-                  <a:pt x="38632" y="5033962"/>
-                </a:lnTo>
-                <a:lnTo>
-                  <a:pt x="55427" y="5075237"/>
-                </a:lnTo>
-                <a:lnTo>
-                  <a:pt x="75583" y="5114925"/>
-                </a:lnTo>
-                <a:lnTo>
-                  <a:pt x="95738" y="5149850"/>
-                </a:lnTo>
-                <a:lnTo>
-                  <a:pt x="115893" y="5186362"/>
-                </a:lnTo>
-                <a:lnTo>
-                  <a:pt x="134368" y="5226050"/>
-                </a:lnTo>
-                <a:lnTo>
-                  <a:pt x="152844" y="5268912"/>
-                </a:lnTo>
-                <a:lnTo>
-                  <a:pt x="167960" y="5313362"/>
-                </a:lnTo>
-                <a:lnTo>
-                  <a:pt x="178038" y="5365750"/>
-                </a:lnTo>
-                <a:lnTo>
-                  <a:pt x="188115" y="5426075"/>
-                </a:lnTo>
-                <a:lnTo>
-                  <a:pt x="189795" y="5494337"/>
-                </a:lnTo>
-                <a:lnTo>
-                  <a:pt x="188115" y="5562600"/>
-                </a:lnTo>
-                <a:lnTo>
-                  <a:pt x="178038" y="5622925"/>
-                </a:lnTo>
-                <a:lnTo>
-                  <a:pt x="167960" y="5675312"/>
-                </a:lnTo>
-                <a:lnTo>
-                  <a:pt x="152844" y="5721350"/>
-                </a:lnTo>
-                <a:lnTo>
-                  <a:pt x="134368" y="5762625"/>
-                </a:lnTo>
-                <a:lnTo>
-                  <a:pt x="115893" y="5802312"/>
-                </a:lnTo>
-                <a:lnTo>
-                  <a:pt x="95738" y="5840412"/>
-                </a:lnTo>
-                <a:lnTo>
-                  <a:pt x="75583" y="5876925"/>
-                </a:lnTo>
-                <a:lnTo>
-                  <a:pt x="55427" y="5915025"/>
-                </a:lnTo>
-                <a:lnTo>
-                  <a:pt x="38632" y="5956300"/>
-                </a:lnTo>
-                <a:lnTo>
-                  <a:pt x="23515" y="6003925"/>
-                </a:lnTo>
-                <a:lnTo>
-                  <a:pt x="11758" y="6056312"/>
-                </a:lnTo>
-                <a:lnTo>
-                  <a:pt x="3359" y="6113462"/>
-                </a:lnTo>
-                <a:lnTo>
-                  <a:pt x="0" y="6183312"/>
-                </a:lnTo>
-                <a:lnTo>
-                  <a:pt x="3359" y="6251575"/>
-                </a:lnTo>
-                <a:lnTo>
-                  <a:pt x="11758" y="6311900"/>
-                </a:lnTo>
-                <a:lnTo>
-                  <a:pt x="23515" y="6361112"/>
-                </a:lnTo>
-                <a:lnTo>
-                  <a:pt x="38632" y="6407150"/>
-                </a:lnTo>
-                <a:lnTo>
-                  <a:pt x="55427" y="6448425"/>
-                </a:lnTo>
-                <a:lnTo>
-                  <a:pt x="73903" y="6488112"/>
-                </a:lnTo>
-                <a:lnTo>
-                  <a:pt x="92379" y="6523037"/>
-                </a:lnTo>
-                <a:lnTo>
-                  <a:pt x="112534" y="6561137"/>
-                </a:lnTo>
-                <a:lnTo>
-                  <a:pt x="132689" y="6597650"/>
-                </a:lnTo>
-                <a:lnTo>
-                  <a:pt x="149485" y="6640512"/>
-                </a:lnTo>
-                <a:lnTo>
-                  <a:pt x="166281" y="6683375"/>
-                </a:lnTo>
-                <a:lnTo>
-                  <a:pt x="176358" y="6735762"/>
-                </a:lnTo>
-                <a:lnTo>
-                  <a:pt x="184756" y="6791325"/>
-                </a:lnTo>
-                <a:lnTo>
-                  <a:pt x="189795" y="6858000"/>
-                </a:lnTo>
-                <a:lnTo>
-                  <a:pt x="334173" y="6858000"/>
-                </a:lnTo>
-                <a:lnTo>
-                  <a:pt x="334174" y="6858000"/>
-                </a:lnTo>
-                <a:lnTo>
-                  <a:pt x="3459219" y="6858000"/>
-                </a:lnTo>
-                <a:lnTo>
-                  <a:pt x="4417162" y="6858000"/>
-                </a:lnTo>
-                <a:lnTo>
-                  <a:pt x="4838076" y="6858000"/>
-                </a:lnTo>
-                <a:close/>
-              </a:path>
-            </a:pathLst>
-          </a:custGeom>
-          <a:solidFill>
-            <a:schemeClr val="accent1">
-              <a:lumMod val="50000"/>
-              <a:alpha val="25000"/>
-            </a:schemeClr>
-          </a:solidFill>
-          <a:ln>
-            <a:noFill/>
-          </a:ln>
-        </p:spPr>
-        <p:style>
-          <a:lnRef idx="2">
-            <a:schemeClr val="accent1">
-              <a:shade val="50000"/>
-            </a:schemeClr>
-          </a:lnRef>
-          <a:fillRef idx="1">
-            <a:schemeClr val="accent1"/>
-          </a:fillRef>
-          <a:effectRef idx="0">
-            <a:schemeClr val="accent1"/>
-          </a:effectRef>
-          <a:fontRef idx="minor">
-            <a:schemeClr val="lt1"/>
-          </a:fontRef>
-        </p:style>
-        <p:txBody>
-          <a:bodyPr wrap="square" rtlCol="0" anchor="ctr">
-            <a:noAutofit/>
-          </a:bodyPr>
-          <a:lstStyle/>
-          <a:p>
-            <a:pPr algn="ctr"/>
-            <a:endParaRPr lang="en-US" dirty="0"/>
-          </a:p>
-        </p:txBody>
-      </p:sp>
-      <p:sp>
-        <p:nvSpPr>
-          <p:cNvPr id="2" name="Title 1">
-            <a:extLst>
-              <a:ext uri="{FF2B5EF4-FFF2-40B4-BE49-F238E27FC236}">
-                <a16:creationId xmlns:a16="http://schemas.microsoft.com/office/drawing/2014/main" id="{3DD9E8EB-CD4C-41BB-EBBE-F8347D6E8BB4}"/>
-              </a:ext>
-            </a:extLst>
-          </p:cNvPr>
-          <p:cNvSpPr>
-            <a:spLocks noGrp="1"/>
-          </p:cNvSpPr>
-          <p:nvPr>
-            <p:ph type="title"/>
-          </p:nvPr>
-        </p:nvSpPr>
-        <p:spPr>
-          <a:xfrm>
-            <a:off x="765051" y="662400"/>
-            <a:ext cx="3384000" cy="1492132"/>
-          </a:xfrm>
-        </p:spPr>
-        <p:txBody>
-          <a:bodyPr anchor="t">
-            <a:normAutofit/>
-          </a:bodyPr>
-          <a:lstStyle/>
-          <a:p>
-            <a:r>
-              <a:rPr lang="en-US">
-                <a:solidFill>
-                  <a:schemeClr val="bg1"/>
-                </a:solidFill>
-              </a:rPr>
-              <a:t>Feature Selection</a:t>
-            </a:r>
-          </a:p>
-        </p:txBody>
-      </p:sp>
-      <p:sp>
-        <p:nvSpPr>
-          <p:cNvPr id="3" name="Content Placeholder 2">
-            <a:extLst>
-              <a:ext uri="{FF2B5EF4-FFF2-40B4-BE49-F238E27FC236}">
-                <a16:creationId xmlns:a16="http://schemas.microsoft.com/office/drawing/2014/main" id="{F99781ED-8CC1-3E43-3BDE-0FA415A2103F}"/>
-              </a:ext>
-            </a:extLst>
-          </p:cNvPr>
-          <p:cNvSpPr>
-            <a:spLocks noGrp="1"/>
-          </p:cNvSpPr>
-          <p:nvPr>
-            <p:ph idx="1"/>
-          </p:nvPr>
-        </p:nvSpPr>
-        <p:spPr>
-          <a:xfrm>
-            <a:off x="765051" y="2286000"/>
-            <a:ext cx="3384000" cy="3844800"/>
-          </a:xfrm>
-        </p:spPr>
-        <p:txBody>
-          <a:bodyPr>
-            <a:normAutofit/>
-          </a:bodyPr>
-          <a:lstStyle/>
-          <a:p>
-            <a:pPr marL="457200" lvl="1" indent="0">
-              <a:spcBef>
-                <a:spcPts val="0"/>
-              </a:spcBef>
-              <a:buNone/>
-            </a:pPr>
-            <a:r>
-              <a:rPr lang="en-US" sz="2000" b="1" dirty="0" err="1">
-                <a:solidFill>
-                  <a:schemeClr val="bg1">
-                    <a:alpha val="60000"/>
-                  </a:schemeClr>
-                </a:solidFill>
-                <a:latin typeface="+mj-lt"/>
-                <a:ea typeface="Calibri" panose="020F0502020204030204" pitchFamily="34" charset="0"/>
-                <a:cs typeface="Times New Roman" panose="02020603050405020304" pitchFamily="18" charset="0"/>
-              </a:rPr>
-              <a:t>target_price</a:t>
-            </a:r>
-            <a:r>
-              <a:rPr lang="en-US" sz="2000" b="1" dirty="0">
-                <a:solidFill>
-                  <a:schemeClr val="bg1">
-                    <a:alpha val="60000"/>
-                  </a:schemeClr>
-                </a:solidFill>
-                <a:effectLst/>
-                <a:latin typeface="+mj-lt"/>
-                <a:ea typeface="Calibri" panose="020F0502020204030204" pitchFamily="34" charset="0"/>
-                <a:cs typeface="Times New Roman" panose="02020603050405020304" pitchFamily="18" charset="0"/>
-              </a:rPr>
-              <a:t>:</a:t>
-            </a:r>
-          </a:p>
-          <a:p>
-            <a:pPr lvl="1">
-              <a:spcBef>
-                <a:spcPts val="0"/>
-              </a:spcBef>
-            </a:pPr>
-            <a:endParaRPr lang="en-US" sz="2000" dirty="0">
-              <a:solidFill>
-                <a:schemeClr val="bg1">
-                  <a:alpha val="60000"/>
-                </a:schemeClr>
-              </a:solidFill>
-              <a:effectLst/>
-              <a:latin typeface="+mj-lt"/>
-              <a:ea typeface="Calibri" panose="020F0502020204030204" pitchFamily="34" charset="0"/>
-              <a:cs typeface="Times New Roman" panose="02020603050405020304" pitchFamily="18" charset="0"/>
-            </a:endParaRPr>
-          </a:p>
-          <a:p>
-            <a:pPr lvl="2">
-              <a:spcBef>
-                <a:spcPts val="0"/>
-              </a:spcBef>
-              <a:buFont typeface="Wingdings" panose="05000000000000000000" pitchFamily="2" charset="2"/>
-              <a:buChar char="§"/>
-            </a:pPr>
-            <a:r>
-              <a:rPr lang="en-US" dirty="0">
-                <a:solidFill>
-                  <a:schemeClr val="bg1">
-                    <a:alpha val="60000"/>
-                  </a:schemeClr>
-                </a:solidFill>
-                <a:effectLst/>
-                <a:latin typeface="+mj-lt"/>
-                <a:ea typeface="Calibri" panose="020F0502020204030204" pitchFamily="34" charset="0"/>
-                <a:cs typeface="Times New Roman" panose="02020603050405020304" pitchFamily="18" charset="0"/>
-              </a:rPr>
-              <a:t>”low price” is &lt;= Q1</a:t>
-            </a:r>
-          </a:p>
-          <a:p>
-            <a:pPr lvl="2">
-              <a:spcBef>
-                <a:spcPts val="0"/>
-              </a:spcBef>
-              <a:buFont typeface="Wingdings" panose="05000000000000000000" pitchFamily="2" charset="2"/>
-              <a:buChar char="§"/>
-            </a:pPr>
-            <a:endParaRPr lang="en-US" dirty="0">
-              <a:solidFill>
-                <a:schemeClr val="bg1">
-                  <a:alpha val="60000"/>
-                </a:schemeClr>
-              </a:solidFill>
-              <a:effectLst/>
-              <a:latin typeface="+mj-lt"/>
-              <a:ea typeface="Calibri" panose="020F0502020204030204" pitchFamily="34" charset="0"/>
-              <a:cs typeface="Times New Roman" panose="02020603050405020304" pitchFamily="18" charset="0"/>
-            </a:endParaRPr>
-          </a:p>
-          <a:p>
-            <a:pPr lvl="2">
-              <a:spcBef>
-                <a:spcPts val="0"/>
-              </a:spcBef>
-              <a:buFont typeface="Wingdings" panose="05000000000000000000" pitchFamily="2" charset="2"/>
-              <a:buChar char="§"/>
-            </a:pPr>
-            <a:r>
-              <a:rPr lang="en-US" dirty="0">
-                <a:solidFill>
-                  <a:schemeClr val="bg1">
-                    <a:alpha val="60000"/>
-                  </a:schemeClr>
-                </a:solidFill>
-                <a:effectLst/>
-                <a:latin typeface="+mj-lt"/>
-                <a:ea typeface="Calibri" panose="020F0502020204030204" pitchFamily="34" charset="0"/>
-                <a:cs typeface="Times New Roman" panose="02020603050405020304" pitchFamily="18" charset="0"/>
-              </a:rPr>
-              <a:t>“high price” is &gt;= Q3</a:t>
-            </a:r>
-          </a:p>
-          <a:p>
-            <a:pPr lvl="2">
-              <a:spcBef>
-                <a:spcPts val="0"/>
-              </a:spcBef>
-              <a:buFont typeface="Wingdings" panose="05000000000000000000" pitchFamily="2" charset="2"/>
-              <a:buChar char="§"/>
-            </a:pPr>
-            <a:endParaRPr lang="en-US" dirty="0">
-              <a:solidFill>
-                <a:schemeClr val="bg1">
-                  <a:alpha val="60000"/>
-                </a:schemeClr>
-              </a:solidFill>
-              <a:effectLst/>
-              <a:latin typeface="+mj-lt"/>
-              <a:ea typeface="Calibri" panose="020F0502020204030204" pitchFamily="34" charset="0"/>
-              <a:cs typeface="Times New Roman" panose="02020603050405020304" pitchFamily="18" charset="0"/>
-            </a:endParaRPr>
-          </a:p>
-          <a:p>
-            <a:pPr lvl="2">
-              <a:spcBef>
-                <a:spcPts val="0"/>
-              </a:spcBef>
-              <a:buFont typeface="Wingdings" panose="05000000000000000000" pitchFamily="2" charset="2"/>
-              <a:buChar char="§"/>
-            </a:pPr>
-            <a:r>
-              <a:rPr lang="en-US" dirty="0">
-                <a:solidFill>
-                  <a:schemeClr val="bg1">
-                    <a:alpha val="60000"/>
-                  </a:schemeClr>
-                </a:solidFill>
-                <a:latin typeface="+mj-lt"/>
-                <a:ea typeface="Calibri" panose="020F0502020204030204" pitchFamily="34" charset="0"/>
-                <a:cs typeface="Times New Roman" panose="02020603050405020304" pitchFamily="18" charset="0"/>
-              </a:rPr>
-              <a:t>“about average” is everything else</a:t>
-            </a:r>
-            <a:endParaRPr lang="en-US" dirty="0">
-              <a:solidFill>
-                <a:schemeClr val="bg1">
-                  <a:alpha val="60000"/>
-                </a:schemeClr>
-              </a:solidFill>
-              <a:effectLst/>
-              <a:latin typeface="+mj-lt"/>
-              <a:ea typeface="Calibri" panose="020F0502020204030204" pitchFamily="34" charset="0"/>
-              <a:cs typeface="Times New Roman" panose="02020603050405020304" pitchFamily="18" charset="0"/>
-            </a:endParaRPr>
-          </a:p>
-          <a:p>
-            <a:endParaRPr lang="en-US" sz="2000" dirty="0">
-              <a:solidFill>
-                <a:schemeClr val="bg1">
-                  <a:alpha val="60000"/>
-                </a:schemeClr>
-              </a:solidFill>
-            </a:endParaRPr>
-          </a:p>
-        </p:txBody>
-      </p:sp>
-      <p:pic>
-        <p:nvPicPr>
-          <p:cNvPr id="5" name="Picture 4" descr="Diagram&#10;&#10;Description automatically generated with low confidence">
-            <a:extLst>
-              <a:ext uri="{FF2B5EF4-FFF2-40B4-BE49-F238E27FC236}">
-                <a16:creationId xmlns:a16="http://schemas.microsoft.com/office/drawing/2014/main" id="{2C6CFBE0-FD7A-17C8-7174-B924FB0070B0}"/>
-              </a:ext>
-            </a:extLst>
-          </p:cNvPr>
-          <p:cNvPicPr>
-            <a:picLocks noChangeAspect="1"/>
-          </p:cNvPicPr>
-          <p:nvPr/>
-        </p:nvPicPr>
-        <p:blipFill>
-          <a:blip r:embed="rId2">
-            <a:extLst>
-              <a:ext uri="{837473B0-CC2E-450A-ABE3-18F120FF3D39}">
-                <a1611:picAttrSrcUrl xmlns:a1611="http://schemas.microsoft.com/office/drawing/2016/11/main" r:id="rId3"/>
-              </a:ext>
-            </a:extLst>
-          </a:blip>
-          <a:stretch>
-            <a:fillRect/>
-          </a:stretch>
-        </p:blipFill>
-        <p:spPr>
-          <a:xfrm>
-            <a:off x="5862421" y="643469"/>
-            <a:ext cx="5111449" cy="5571062"/>
-          </a:xfrm>
-          <a:prstGeom prst="rect">
-            <a:avLst/>
-          </a:prstGeom>
-        </p:spPr>
-      </p:pic>
-      <p:sp>
-        <p:nvSpPr>
-          <p:cNvPr id="4" name="Slide Number Placeholder 3">
-            <a:extLst>
-              <a:ext uri="{FF2B5EF4-FFF2-40B4-BE49-F238E27FC236}">
-                <a16:creationId xmlns:a16="http://schemas.microsoft.com/office/drawing/2014/main" id="{68ED633F-14BD-17F1-0A95-B0122EC55EED}"/>
-              </a:ext>
-            </a:extLst>
-          </p:cNvPr>
-          <p:cNvSpPr>
-            <a:spLocks noGrp="1"/>
-          </p:cNvSpPr>
-          <p:nvPr>
-            <p:ph type="sldNum" sz="quarter" idx="12"/>
-          </p:nvPr>
-        </p:nvSpPr>
-        <p:spPr>
-          <a:xfrm>
-            <a:off x="10365474" y="6375679"/>
-            <a:ext cx="1059763" cy="345796"/>
-          </a:xfrm>
-        </p:spPr>
-        <p:txBody>
-          <a:bodyPr>
-            <a:normAutofit/>
-          </a:bodyPr>
-          <a:lstStyle/>
-          <a:p>
-            <a:pPr>
-              <a:spcAft>
-                <a:spcPts val="600"/>
-              </a:spcAft>
-            </a:pPr>
-            <a:fld id="{3996240E-C573-234B-A5E3-DA0A99988C77}" type="slidenum">
-              <a:rPr lang="en-US">
-                <a:solidFill>
-                  <a:schemeClr val="tx1">
-                    <a:alpha val="60000"/>
-                  </a:schemeClr>
-                </a:solidFill>
-              </a:rPr>
-              <a:pPr>
-                <a:spcAft>
-                  <a:spcPts val="600"/>
-                </a:spcAft>
-              </a:pPr>
-              <a:t>5</a:t>
-            </a:fld>
-            <a:endParaRPr lang="en-US">
-              <a:solidFill>
-                <a:schemeClr val="tx1">
-                  <a:alpha val="60000"/>
-                </a:schemeClr>
-              </a:solidFill>
-            </a:endParaRPr>
-          </a:p>
-        </p:txBody>
-      </p:sp>
-    </p:spTree>
-    <p:extLst>
-      <p:ext uri="{BB962C8B-B14F-4D97-AF65-F5344CB8AC3E}">
-        <p14:creationId xmlns:p14="http://schemas.microsoft.com/office/powerpoint/2010/main" val="3211408593"/>
-      </p:ext>
-    </p:extLst>
-  </p:cSld>
-  <p:clrMapOvr>
-    <a:masterClrMapping/>
-  </p:clrMapOvr>
-</p:sld>
-</file>
-
-<file path=ppt/slides/slide6.xml><?xml version="1.0" encoding="utf-8"?>
-<p:sld xmlns:a="http://schemas.openxmlformats.org/drawingml/2006/main" xmlns:r="http://schemas.openxmlformats.org/officeDocument/2006/relationships" xmlns:p="http://schemas.openxmlformats.org/presentationml/2006/main">
-  <p:cSld>
-    <p:bg>
-      <p:bgPr>
-        <a:solidFill>
-          <a:schemeClr val="bg1"/>
-        </a:solidFill>
-        <a:effectLst/>
-      </p:bgPr>
-    </p:bg>
-    <p:spTree>
-      <p:nvGrpSpPr>
-        <p:cNvPr id="1" name=""/>
-        <p:cNvGrpSpPr/>
-        <p:nvPr/>
-      </p:nvGrpSpPr>
-      <p:grpSpPr>
-        <a:xfrm>
-          <a:off x="0" y="0"/>
-          <a:ext cx="0" cy="0"/>
-          <a:chOff x="0" y="0"/>
-          <a:chExt cx="0" cy="0"/>
-        </a:xfrm>
-      </p:grpSpPr>
-      <p:sp useBgFill="1">
-        <p:nvSpPr>
           <p:cNvPr id="1038" name="Rectangle 1037">
             <a:extLst>
               <a:ext uri="{FF2B5EF4-FFF2-40B4-BE49-F238E27FC236}">
@@ -21132,7 +18193,7 @@
                   <a:spcPts val="600"/>
                 </a:spcAft>
               </a:pPr>
-              <a:t>6</a:t>
+              <a:t>5</a:t>
             </a:fld>
             <a:endParaRPr lang="en-US">
               <a:solidFill>
@@ -21157,7 +18218,7 @@
 </p:sld>
 </file>
 
-<file path=ppt/slides/slide7.xml><?xml version="1.0" encoding="utf-8"?>
+<file path=ppt/slides/slide6.xml><?xml version="1.0" encoding="utf-8"?>
 <p:sld xmlns:a="http://schemas.openxmlformats.org/drawingml/2006/main" xmlns:r="http://schemas.openxmlformats.org/officeDocument/2006/relationships" xmlns:p="http://schemas.openxmlformats.org/presentationml/2006/main">
   <p:cSld>
     <p:spTree>
@@ -21336,7 +18397,7 @@
           <a:p>
             <a:fld id="{3996240E-C573-234B-A5E3-DA0A99988C77}" type="slidenum">
               <a:rPr lang="en-US" smtClean="0"/>
-              <a:t>7</a:t>
+              <a:t>6</a:t>
             </a:fld>
             <a:endParaRPr lang="en-US"/>
           </a:p>
@@ -21402,7 +18463,7 @@
 </p:sld>
 </file>
 
-<file path=ppt/slides/slide8.xml><?xml version="1.0" encoding="utf-8"?>
+<file path=ppt/slides/slide7.xml><?xml version="1.0" encoding="utf-8"?>
 <p:sld xmlns:a="http://schemas.openxmlformats.org/drawingml/2006/main" xmlns:r="http://schemas.openxmlformats.org/officeDocument/2006/relationships" xmlns:p="http://schemas.openxmlformats.org/presentationml/2006/main">
   <p:cSld>
     <p:bg>
@@ -22281,7 +19342,7 @@
           <a:p>
             <a:fld id="{3996240E-C573-234B-A5E3-DA0A99988C77}" type="slidenum">
               <a:rPr lang="en-US" smtClean="0"/>
-              <a:t>8</a:t>
+              <a:t>7</a:t>
             </a:fld>
             <a:endParaRPr lang="en-US"/>
           </a:p>

--- a/Team14_Presentation_Kijahre.pptx
+++ b/Team14_Presentation_Kijahre.pptx
@@ -3089,7 +3089,7 @@
           <a:p>
             <a:fld id="{AEBF5B9D-DC25-9C4D-B63B-18668C98E4DC}" type="datetimeFigureOut">
               <a:rPr lang="en-US" smtClean="0"/>
-              <a:t>11/19/2022</a:t>
+              <a:t>11/20/2022</a:t>
             </a:fld>
             <a:endParaRPr lang="en-US"/>
           </a:p>
@@ -3503,7 +3503,7 @@
           <a:p>
             <a:fld id="{CA4913DA-71AB-2447-B2FB-5226151470FA}" type="datetime1">
               <a:rPr lang="en-US" smtClean="0"/>
-              <a:t>11/19/2022</a:t>
+              <a:t>11/20/2022</a:t>
             </a:fld>
             <a:endParaRPr lang="en-US"/>
           </a:p>
@@ -3701,7 +3701,7 @@
           <a:p>
             <a:fld id="{20C2316D-F49A-E545-AAF4-772D5B1D1AAC}" type="datetime1">
               <a:rPr lang="en-US" smtClean="0"/>
-              <a:t>11/19/2022</a:t>
+              <a:t>11/20/2022</a:t>
             </a:fld>
             <a:endParaRPr lang="en-US"/>
           </a:p>
@@ -3909,7 +3909,7 @@
           <a:p>
             <a:fld id="{AE72AC5A-C52C-034E-BF3C-FD6CA88C0FDA}" type="datetime1">
               <a:rPr lang="en-US" smtClean="0"/>
-              <a:t>11/19/2022</a:t>
+              <a:t>11/20/2022</a:t>
             </a:fld>
             <a:endParaRPr lang="en-US"/>
           </a:p>
@@ -4107,7 +4107,7 @@
           <a:p>
             <a:fld id="{F9523CD4-0C3D-D94C-8B1C-6B1616C58207}" type="datetime1">
               <a:rPr lang="en-US" smtClean="0"/>
-              <a:t>11/19/2022</a:t>
+              <a:t>11/20/2022</a:t>
             </a:fld>
             <a:endParaRPr lang="en-US"/>
           </a:p>
@@ -4382,7 +4382,7 @@
           <a:p>
             <a:fld id="{AC946497-659A-CA42-87E8-72B157FCB6A5}" type="datetime1">
               <a:rPr lang="en-US" smtClean="0"/>
-              <a:t>11/19/2022</a:t>
+              <a:t>11/20/2022</a:t>
             </a:fld>
             <a:endParaRPr lang="en-US"/>
           </a:p>
@@ -4647,7 +4647,7 @@
           <a:p>
             <a:fld id="{75FB8963-3E22-2148-9E4F-C00A5A3507A8}" type="datetime1">
               <a:rPr lang="en-US" smtClean="0"/>
-              <a:t>11/19/2022</a:t>
+              <a:t>11/20/2022</a:t>
             </a:fld>
             <a:endParaRPr lang="en-US"/>
           </a:p>
@@ -5059,7 +5059,7 @@
           <a:p>
             <a:fld id="{D467DFFA-6F12-804C-A322-D0CA765945C9}" type="datetime1">
               <a:rPr lang="en-US" smtClean="0"/>
-              <a:t>11/19/2022</a:t>
+              <a:t>11/20/2022</a:t>
             </a:fld>
             <a:endParaRPr lang="en-US"/>
           </a:p>
@@ -5200,7 +5200,7 @@
           <a:p>
             <a:fld id="{41B74A57-390C-284E-97B7-7B29912A3226}" type="datetime1">
               <a:rPr lang="en-US" smtClean="0"/>
-              <a:t>11/19/2022</a:t>
+              <a:t>11/20/2022</a:t>
             </a:fld>
             <a:endParaRPr lang="en-US"/>
           </a:p>
@@ -5313,7 +5313,7 @@
           <a:p>
             <a:fld id="{285548A5-1930-7943-8512-555536845564}" type="datetime1">
               <a:rPr lang="en-US" smtClean="0"/>
-              <a:t>11/19/2022</a:t>
+              <a:t>11/20/2022</a:t>
             </a:fld>
             <a:endParaRPr lang="en-US"/>
           </a:p>
@@ -5624,7 +5624,7 @@
           <a:p>
             <a:fld id="{9223AAD4-10AF-E146-834D-80824F60E7CA}" type="datetime1">
               <a:rPr lang="en-US" smtClean="0"/>
-              <a:t>11/19/2022</a:t>
+              <a:t>11/20/2022</a:t>
             </a:fld>
             <a:endParaRPr lang="en-US"/>
           </a:p>
@@ -5912,7 +5912,7 @@
           <a:p>
             <a:fld id="{DAF52F01-FFC1-E344-9EAE-D6D43AEF4980}" type="datetime1">
               <a:rPr lang="en-US" smtClean="0"/>
-              <a:t>11/19/2022</a:t>
+              <a:t>11/20/2022</a:t>
             </a:fld>
             <a:endParaRPr lang="en-US"/>
           </a:p>
@@ -6153,7 +6153,7 @@
           <a:p>
             <a:fld id="{BEAC80F2-956B-BB41-8A57-F14E976EB7DD}" type="datetime1">
               <a:rPr lang="en-US" smtClean="0"/>
-              <a:t>11/19/2022</a:t>
+              <a:t>11/20/2022</a:t>
             </a:fld>
             <a:endParaRPr lang="en-US"/>
           </a:p>
@@ -18295,8 +18295,8 @@
         </p:nvSpPr>
         <p:spPr>
           <a:xfrm>
-            <a:off x="274476" y="2005012"/>
-            <a:ext cx="6613849" cy="4351338"/>
+            <a:off x="274476" y="1468016"/>
+            <a:ext cx="6613849" cy="5389984"/>
           </a:xfrm>
         </p:spPr>
         <p:txBody>
@@ -18315,7 +18315,7 @@
               <a:buNone/>
             </a:pPr>
             <a:r>
-              <a:rPr lang="en-US" sz="3900" b="0" i="0" u="none" strike="noStrike" dirty="0">
+              <a:rPr lang="en-US" sz="3200" b="0" i="0" u="none" strike="noStrike" dirty="0">
                 <a:solidFill>
                   <a:srgbClr val="595959"/>
                 </a:solidFill>
@@ -18324,17 +18324,6 @@
               </a:rPr>
               <a:t>Using our algorithm buying 16 items a day for one year will save you:</a:t>
             </a:r>
-          </a:p>
-          <a:p>
-            <a:pPr indent="0" rtl="0">
-              <a:spcBef>
-                <a:spcPts val="0"/>
-              </a:spcBef>
-              <a:spcAft>
-                <a:spcPts val="1200"/>
-              </a:spcAft>
-              <a:buNone/>
-            </a:pPr>
             <a:endParaRPr lang="en-US" sz="3900" b="0" dirty="0">
               <a:effectLst/>
             </a:endParaRPr>
@@ -18350,7 +18339,7 @@
               <a:buNone/>
             </a:pPr>
             <a:r>
-              <a:rPr lang="en-US" sz="9600" b="1" i="0" u="sng" dirty="0">
+              <a:rPr lang="en-US" sz="8000" b="1" i="0" u="sng" dirty="0">
                 <a:solidFill>
                   <a:srgbClr val="4AA54D"/>
                 </a:solidFill>
@@ -18359,7 +18348,7 @@
               </a:rPr>
               <a:t>$79,690</a:t>
             </a:r>
-            <a:endParaRPr lang="en-US" sz="9600" b="0" dirty="0">
+            <a:endParaRPr lang="en-US" sz="8000" b="0" dirty="0">
               <a:effectLst/>
             </a:endParaRPr>
           </a:p>
@@ -18367,6 +18356,36 @@
             <a:pPr marL="0" indent="0">
               <a:buNone/>
             </a:pPr>
+            <a:endParaRPr lang="en-US" b="1" dirty="0"/>
+          </a:p>
+          <a:p>
+            <a:pPr marL="0" indent="0">
+              <a:buNone/>
+            </a:pPr>
+            <a:r>
+              <a:rPr lang="en-US" b="1" dirty="0"/>
+              <a:t>Labor Savings:</a:t>
+            </a:r>
+          </a:p>
+          <a:p>
+            <a:r>
+              <a:rPr lang="en-US" dirty="0"/>
+              <a:t>Our script takes 5 min to run</a:t>
+            </a:r>
+          </a:p>
+          <a:p>
+            <a:r>
+              <a:rPr lang="en-US" dirty="0"/>
+              <a:t>The same job takes at least 3 </a:t>
+            </a:r>
+            <a:r>
+              <a:rPr lang="en-US" dirty="0" err="1"/>
+              <a:t>hrs</a:t>
+            </a:r>
+            <a:r>
+              <a:rPr lang="en-US" dirty="0"/>
+              <a:t> for a human to do</a:t>
+            </a:r>
             <a:br>
               <a:rPr lang="en-US" dirty="0"/>
             </a:br>
